--- a/project_ppt[1].pptx
+++ b/project_ppt[1].pptx
@@ -5,20 +5,20 @@
     <p:sldMasterId id="2147483648" r:id="rId1"/>
   </p:sldMasterIdLst>
   <p:notesMasterIdLst>
-    <p:notesMasterId r:id="rId4"/>
+    <p:notesMasterId r:id="rId13"/>
   </p:notesMasterIdLst>
   <p:sldIdLst>
-    <p:sldId id="256" r:id="rId3"/>
-    <p:sldId id="270" r:id="rId5"/>
-    <p:sldId id="258" r:id="rId6"/>
-    <p:sldId id="259" r:id="rId7"/>
-    <p:sldId id="260" r:id="rId8"/>
-    <p:sldId id="261" r:id="rId9"/>
-    <p:sldId id="262" r:id="rId10"/>
-    <p:sldId id="264" r:id="rId11"/>
-    <p:sldId id="269" r:id="rId12"/>
-    <p:sldId id="263" r:id="rId13"/>
-    <p:sldId id="265" r:id="rId14"/>
+    <p:sldId id="256" r:id="rId2"/>
+    <p:sldId id="270" r:id="rId3"/>
+    <p:sldId id="258" r:id="rId4"/>
+    <p:sldId id="259" r:id="rId5"/>
+    <p:sldId id="260" r:id="rId6"/>
+    <p:sldId id="261" r:id="rId7"/>
+    <p:sldId id="262" r:id="rId8"/>
+    <p:sldId id="264" r:id="rId9"/>
+    <p:sldId id="269" r:id="rId10"/>
+    <p:sldId id="263" r:id="rId11"/>
+    <p:sldId id="265" r:id="rId12"/>
   </p:sldIdLst>
   <p:sldSz cx="12192000" cy="6858000"/>
   <p:notesSz cx="12192000" cy="6858000"/>
@@ -218,6 +218,7 @@
           <a:p>
             <a:fld id="{84B86612-B127-4CD0-BF15-66D49A7175F7}" type="datetimeFigureOut">
               <a:rPr lang="en-IN" smtClean="0"/>
+              <a:t>12-09-2025</a:t>
             </a:fld>
             <a:endParaRPr lang="en-IN"/>
           </a:p>
@@ -284,7 +285,6 @@
               <a:rPr lang="en-US"/>
               <a:t>Click to edit Master text styles</a:t>
             </a:r>
-            <a:endParaRPr lang="en-US"/>
           </a:p>
           <a:p>
             <a:pPr lvl="1"/>
@@ -292,7 +292,6 @@
               <a:rPr lang="en-US"/>
               <a:t>Second level</a:t>
             </a:r>
-            <a:endParaRPr lang="en-US"/>
           </a:p>
           <a:p>
             <a:pPr lvl="2"/>
@@ -300,7 +299,6 @@
               <a:rPr lang="en-US"/>
               <a:t>Third level</a:t>
             </a:r>
-            <a:endParaRPr lang="en-US"/>
           </a:p>
           <a:p>
             <a:pPr lvl="3"/>
@@ -308,7 +306,6 @@
               <a:rPr lang="en-US"/>
               <a:t>Fourth level</a:t>
             </a:r>
-            <a:endParaRPr lang="en-US"/>
           </a:p>
           <a:p>
             <a:pPr lvl="4"/>
@@ -380,6 +377,7 @@
           <a:p>
             <a:fld id="{F7F439ED-1E90-4106-847A-8EF19031FE2F}" type="slidenum">
               <a:rPr lang="en-IN" smtClean="0"/>
+              <a:t>‹#›</a:t>
             </a:fld>
             <a:endParaRPr lang="en-IN"/>
           </a:p>
@@ -548,6 +546,7 @@
           <a:p>
             <a:fld id="{F7F439ED-1E90-4106-847A-8EF19031FE2F}" type="slidenum">
               <a:rPr lang="en-IN" smtClean="0"/>
+              <a:t>1</a:t>
             </a:fld>
             <a:endParaRPr lang="en-IN"/>
           </a:p>
@@ -612,7 +611,9 @@
               </a:defRPr>
             </a:lvl1pPr>
           </a:lstStyle>
-          <a:p/>
+          <a:p>
+            <a:endParaRPr/>
+          </a:p>
         </p:txBody>
       </p:sp>
       <p:sp>
@@ -643,7 +644,9 @@
               <a:defRPr/>
             </a:lvl1pPr>
           </a:lstStyle>
-          <a:p/>
+          <a:p>
+            <a:endParaRPr/>
+          </a:p>
         </p:txBody>
       </p:sp>
       <p:sp>
@@ -670,7 +673,9 @@
               </a:defRPr>
             </a:lvl1pPr>
           </a:lstStyle>
-          <a:p/>
+          <a:p>
+            <a:endParaRPr/>
+          </a:p>
         </p:txBody>
       </p:sp>
       <p:sp>
@@ -700,6 +705,7 @@
           <a:p>
             <a:fld id="{1D8BD707-D9CF-40AE-B4C6-C98DA3205C09}" type="datetimeFigureOut">
               <a:rPr lang="en-US"/>
+              <a:t>9/12/2025</a:t>
             </a:fld>
             <a:endParaRPr lang="en-US"/>
           </a:p>
@@ -740,6 +746,7 @@
             </a:pPr>
             <a:fld id="{81D60167-4931-47E6-BA6A-407CBD079E47}" type="slidenum">
               <a:rPr spc="10" dirty="0"/>
+              <a:t>‹#›</a:t>
             </a:fld>
             <a:endParaRPr spc="10" dirty="0"/>
           </a:p>
@@ -794,7 +801,9 @@
               </a:defRPr>
             </a:lvl1pPr>
           </a:lstStyle>
-          <a:p/>
+          <a:p>
+            <a:endParaRPr/>
+          </a:p>
         </p:txBody>
       </p:sp>
       <p:sp>
@@ -815,7 +824,9 @@
               <a:defRPr/>
             </a:lvl1pPr>
           </a:lstStyle>
-          <a:p/>
+          <a:p>
+            <a:endParaRPr/>
+          </a:p>
         </p:txBody>
       </p:sp>
       <p:sp>
@@ -842,7 +853,9 @@
               </a:defRPr>
             </a:lvl1pPr>
           </a:lstStyle>
-          <a:p/>
+          <a:p>
+            <a:endParaRPr/>
+          </a:p>
         </p:txBody>
       </p:sp>
       <p:sp>
@@ -872,6 +885,7 @@
           <a:p>
             <a:fld id="{1D8BD707-D9CF-40AE-B4C6-C98DA3205C09}" type="datetimeFigureOut">
               <a:rPr lang="en-US"/>
+              <a:t>9/12/2025</a:t>
             </a:fld>
             <a:endParaRPr lang="en-US"/>
           </a:p>
@@ -912,6 +926,7 @@
             </a:pPr>
             <a:fld id="{81D60167-4931-47E6-BA6A-407CBD079E47}" type="slidenum">
               <a:rPr spc="10" dirty="0"/>
+              <a:t>‹#›</a:t>
             </a:fld>
             <a:endParaRPr spc="10" dirty="0"/>
           </a:p>
@@ -966,7 +981,9 @@
               </a:defRPr>
             </a:lvl1pPr>
           </a:lstStyle>
-          <a:p/>
+          <a:p>
+            <a:endParaRPr/>
+          </a:p>
         </p:txBody>
       </p:sp>
       <p:sp>
@@ -997,7 +1014,9 @@
               <a:defRPr/>
             </a:lvl1pPr>
           </a:lstStyle>
-          <a:p/>
+          <a:p>
+            <a:endParaRPr/>
+          </a:p>
         </p:txBody>
       </p:sp>
       <p:sp>
@@ -1028,7 +1047,9 @@
               <a:defRPr/>
             </a:lvl1pPr>
           </a:lstStyle>
-          <a:p/>
+          <a:p>
+            <a:endParaRPr/>
+          </a:p>
         </p:txBody>
       </p:sp>
       <p:sp>
@@ -1055,7 +1076,9 @@
               </a:defRPr>
             </a:lvl1pPr>
           </a:lstStyle>
-          <a:p/>
+          <a:p>
+            <a:endParaRPr/>
+          </a:p>
         </p:txBody>
       </p:sp>
       <p:sp>
@@ -1085,6 +1108,7 @@
           <a:p>
             <a:fld id="{1D8BD707-D9CF-40AE-B4C6-C98DA3205C09}" type="datetimeFigureOut">
               <a:rPr lang="en-US"/>
+              <a:t>9/12/2025</a:t>
             </a:fld>
             <a:endParaRPr lang="en-US"/>
           </a:p>
@@ -1125,6 +1149,7 @@
             </a:pPr>
             <a:fld id="{81D60167-4931-47E6-BA6A-407CBD079E47}" type="slidenum">
               <a:rPr spc="10" dirty="0"/>
+              <a:t>‹#›</a:t>
             </a:fld>
             <a:endParaRPr spc="10" dirty="0"/>
           </a:p>
@@ -1179,7 +1204,9 @@
               </a:defRPr>
             </a:lvl1pPr>
           </a:lstStyle>
-          <a:p/>
+          <a:p>
+            <a:endParaRPr/>
+          </a:p>
         </p:txBody>
       </p:sp>
       <p:sp>
@@ -1206,7 +1233,9 @@
               </a:defRPr>
             </a:lvl1pPr>
           </a:lstStyle>
-          <a:p/>
+          <a:p>
+            <a:endParaRPr/>
+          </a:p>
         </p:txBody>
       </p:sp>
       <p:sp>
@@ -1236,6 +1265,7 @@
           <a:p>
             <a:fld id="{1D8BD707-D9CF-40AE-B4C6-C98DA3205C09}" type="datetimeFigureOut">
               <a:rPr lang="en-US"/>
+              <a:t>9/12/2025</a:t>
             </a:fld>
             <a:endParaRPr lang="en-US"/>
           </a:p>
@@ -1276,6 +1306,7 @@
             </a:pPr>
             <a:fld id="{81D60167-4931-47E6-BA6A-407CBD079E47}" type="slidenum">
               <a:rPr spc="10" dirty="0"/>
+              <a:t>‹#›</a:t>
             </a:fld>
             <a:endParaRPr spc="10" dirty="0"/>
           </a:p>
@@ -1330,7 +1361,9 @@
               </a:defRPr>
             </a:lvl1pPr>
           </a:lstStyle>
-          <a:p/>
+          <a:p>
+            <a:endParaRPr/>
+          </a:p>
         </p:txBody>
       </p:sp>
       <p:sp>
@@ -1360,6 +1393,7 @@
           <a:p>
             <a:fld id="{1D8BD707-D9CF-40AE-B4C6-C98DA3205C09}" type="datetimeFigureOut">
               <a:rPr lang="en-US"/>
+              <a:t>9/12/2025</a:t>
             </a:fld>
             <a:endParaRPr lang="en-US"/>
           </a:p>
@@ -1400,6 +1434,7 @@
             </a:pPr>
             <a:fld id="{81D60167-4931-47E6-BA6A-407CBD079E47}" type="slidenum">
               <a:rPr spc="10" dirty="0"/>
+              <a:t>‹#›</a:t>
             </a:fld>
             <a:endParaRPr spc="10" dirty="0"/>
           </a:p>
@@ -1475,7 +1510,9 @@
         <p:txBody>
           <a:bodyPr wrap="square" lIns="0" tIns="0" rIns="0" bIns="0" rtlCol="0"/>
           <a:lstStyle/>
-          <a:p/>
+          <a:p>
+            <a:endParaRPr/>
+          </a:p>
         </p:txBody>
       </p:sp>
       <p:sp>
@@ -1515,7 +1552,9 @@
         <p:txBody>
           <a:bodyPr wrap="square" lIns="0" tIns="0" rIns="0" bIns="0" rtlCol="0"/>
           <a:lstStyle/>
-          <a:p/>
+          <a:p>
+            <a:endParaRPr/>
+          </a:p>
         </p:txBody>
       </p:sp>
       <p:sp>
@@ -1565,7 +1604,9 @@
         <p:txBody>
           <a:bodyPr wrap="square" lIns="0" tIns="0" rIns="0" bIns="0" rtlCol="0"/>
           <a:lstStyle/>
-          <a:p/>
+          <a:p>
+            <a:endParaRPr/>
+          </a:p>
         </p:txBody>
       </p:sp>
       <p:sp>
@@ -1615,7 +1656,9 @@
         <p:txBody>
           <a:bodyPr wrap="square" lIns="0" tIns="0" rIns="0" bIns="0" rtlCol="0"/>
           <a:lstStyle/>
-          <a:p/>
+          <a:p>
+            <a:endParaRPr/>
+          </a:p>
         </p:txBody>
       </p:sp>
       <p:sp>
@@ -1662,7 +1705,9 @@
         <p:txBody>
           <a:bodyPr wrap="square" lIns="0" tIns="0" rIns="0" bIns="0" rtlCol="0"/>
           <a:lstStyle/>
-          <a:p/>
+          <a:p>
+            <a:endParaRPr/>
+          </a:p>
         </p:txBody>
       </p:sp>
       <p:sp>
@@ -1712,7 +1757,9 @@
         <p:txBody>
           <a:bodyPr wrap="square" lIns="0" tIns="0" rIns="0" bIns="0" rtlCol="0"/>
           <a:lstStyle/>
-          <a:p/>
+          <a:p>
+            <a:endParaRPr/>
+          </a:p>
         </p:txBody>
       </p:sp>
       <p:sp>
@@ -1762,7 +1809,9 @@
         <p:txBody>
           <a:bodyPr wrap="square" lIns="0" tIns="0" rIns="0" bIns="0" rtlCol="0"/>
           <a:lstStyle/>
-          <a:p/>
+          <a:p>
+            <a:endParaRPr/>
+          </a:p>
         </p:txBody>
       </p:sp>
       <p:sp>
@@ -1812,7 +1861,9 @@
         <p:txBody>
           <a:bodyPr wrap="square" lIns="0" tIns="0" rIns="0" bIns="0" rtlCol="0"/>
           <a:lstStyle/>
-          <a:p/>
+          <a:p>
+            <a:endParaRPr/>
+          </a:p>
         </p:txBody>
       </p:sp>
       <p:sp>
@@ -1859,7 +1910,9 @@
         <p:txBody>
           <a:bodyPr wrap="square" lIns="0" tIns="0" rIns="0" bIns="0" rtlCol="0"/>
           <a:lstStyle/>
-          <a:p/>
+          <a:p>
+            <a:endParaRPr/>
+          </a:p>
         </p:txBody>
       </p:sp>
       <p:sp>
@@ -1906,7 +1959,9 @@
         <p:txBody>
           <a:bodyPr wrap="square" lIns="0" tIns="0" rIns="0" bIns="0" rtlCol="0"/>
           <a:lstStyle/>
-          <a:p/>
+          <a:p>
+            <a:endParaRPr/>
+          </a:p>
         </p:txBody>
       </p:sp>
       <p:sp>
@@ -1943,7 +1998,9 @@
               </a:defRPr>
             </a:lvl1pPr>
           </a:lstStyle>
-          <a:p/>
+          <a:p>
+            <a:endParaRPr/>
+          </a:p>
         </p:txBody>
       </p:sp>
       <p:sp>
@@ -1974,7 +2031,9 @@
               <a:defRPr/>
             </a:lvl1pPr>
           </a:lstStyle>
-          <a:p/>
+          <a:p>
+            <a:endParaRPr/>
+          </a:p>
         </p:txBody>
       </p:sp>
       <p:sp>
@@ -2011,7 +2070,9 @@
               </a:defRPr>
             </a:lvl1pPr>
           </a:lstStyle>
-          <a:p/>
+          <a:p>
+            <a:endParaRPr/>
+          </a:p>
         </p:txBody>
       </p:sp>
       <p:sp>
@@ -2051,6 +2112,7 @@
           <a:p>
             <a:fld id="{1D8BD707-D9CF-40AE-B4C6-C98DA3205C09}" type="datetimeFigureOut">
               <a:rPr lang="en-US"/>
+              <a:t>9/12/2025</a:t>
             </a:fld>
             <a:endParaRPr lang="en-US"/>
           </a:p>
@@ -2101,6 +2163,7 @@
             </a:pPr>
             <a:fld id="{81D60167-4931-47E6-BA6A-407CBD079E47}" type="slidenum">
               <a:rPr spc="10" dirty="0"/>
+              <a:t>‹#›</a:t>
             </a:fld>
             <a:endParaRPr spc="10" dirty="0"/>
           </a:p>
@@ -2342,7 +2405,9 @@
           <p:txBody>
             <a:bodyPr wrap="square" lIns="0" tIns="0" rIns="0" bIns="0" rtlCol="0"/>
             <a:lstStyle/>
-            <a:p/>
+            <a:p>
+              <a:endParaRPr/>
+            </a:p>
           </p:txBody>
         </p:sp>
         <p:sp>
@@ -2396,7 +2461,9 @@
           <p:txBody>
             <a:bodyPr wrap="square" lIns="0" tIns="0" rIns="0" bIns="0" rtlCol="0"/>
             <a:lstStyle/>
-            <a:p/>
+            <a:p>
+              <a:endParaRPr/>
+            </a:p>
           </p:txBody>
         </p:sp>
       </p:grpSp>
@@ -2451,7 +2518,9 @@
         <p:txBody>
           <a:bodyPr wrap="square" lIns="0" tIns="0" rIns="0" bIns="0" rtlCol="0"/>
           <a:lstStyle/>
-          <a:p/>
+          <a:p>
+            <a:endParaRPr/>
+          </a:p>
         </p:txBody>
       </p:sp>
       <p:sp>
@@ -2505,7 +2574,9 @@
         <p:txBody>
           <a:bodyPr wrap="square" lIns="0" tIns="0" rIns="0" bIns="0" rtlCol="0"/>
           <a:lstStyle/>
-          <a:p/>
+          <a:p>
+            <a:endParaRPr/>
+          </a:p>
         </p:txBody>
       </p:sp>
       <p:sp>
@@ -2569,7 +2640,7 @@
           <p:nvPr/>
         </p:nvPicPr>
         <p:blipFill>
-          <a:blip r:embed="rId1" cstate="print"/>
+          <a:blip r:embed="rId3" cstate="print"/>
           <a:stretch>
             <a:fillRect/>
           </a:stretch>
@@ -2615,6 +2686,7 @@
             </a:pPr>
             <a:fld id="{81D60167-4931-47E6-BA6A-407CBD079E47}" type="slidenum">
               <a:rPr spc="10" dirty="0"/>
+              <a:t>1</a:t>
             </a:fld>
             <a:endParaRPr spc="10" dirty="0"/>
           </a:p>
@@ -2629,7 +2701,7 @@
         <p:spPr>
           <a:xfrm>
             <a:off x="2553740" y="3429000"/>
-            <a:ext cx="8610600" cy="1938020"/>
+            <a:ext cx="8610600" cy="2308324"/>
           </a:xfrm>
           <a:prstGeom prst="rect">
             <a:avLst/>
@@ -2644,26 +2716,23 @@
           <a:p>
             <a:r>
               <a:rPr lang="en-US" sz="2400" dirty="0"/>
-              <a:t>STUDENT NAME</a:t>
-            </a:r>
-            <a:r>
-              <a:rPr lang="en-US" sz="2400" dirty="0" smtClean="0"/>
-              <a:t>:  </a:t>
+              <a:t>STUDENT NAME:  </a:t>
             </a:r>
             <a:r>
               <a:rPr lang="en-US" altLang="en-US" sz="2400" dirty="0"/>
               <a:t>IZZATH SAEEM</a:t>
             </a:r>
-            <a:endParaRPr lang="en-US" altLang="en-US" sz="2400" dirty="0"/>
+          </a:p>
+          <a:p>
+            <a:r>
+              <a:rPr lang="en-US" altLang="en-US" sz="2400" dirty="0"/>
+              <a:t>NMID:93158B7F7217D5185E44A1903C28BC8E</a:t>
+            </a:r>
           </a:p>
           <a:p>
             <a:r>
               <a:rPr lang="en-US" sz="2400" dirty="0"/>
-              <a:t>REGISTER NO : </a:t>
-            </a:r>
-            <a:r>
-              <a:rPr lang="en-US" sz="2400" dirty="0" smtClean="0"/>
-              <a:t>24H207</a:t>
+              <a:t>REGISTER NO : 24H207      </a:t>
             </a:r>
             <a:endParaRPr lang="en-US" sz="2400" dirty="0">
               <a:cs typeface="Calibri" panose="020F0502020204030204"/>
@@ -2672,24 +2741,14 @@
           <a:p>
             <a:r>
               <a:rPr lang="en-US" sz="2400" dirty="0"/>
-              <a:t>DEPARTMENT: </a:t>
-            </a:r>
-            <a:r>
-              <a:rPr lang="en-US" sz="2400" dirty="0" smtClean="0"/>
-              <a:t>  BCA</a:t>
-            </a:r>
-            <a:endParaRPr lang="en-US" sz="2400" dirty="0"/>
+              <a:t>DEPARTMENT:   BCA</a:t>
+            </a:r>
           </a:p>
           <a:p>
             <a:r>
               <a:rPr lang="en-US" sz="2400" dirty="0"/>
-              <a:t>COLLEGE: </a:t>
-            </a:r>
-            <a:r>
-              <a:rPr lang="en-US" sz="2400" dirty="0" smtClean="0"/>
-              <a:t>  AGURCHAND  MANMULL  JAIN COLLEGE</a:t>
-            </a:r>
-            <a:endParaRPr lang="en-US" sz="2400" dirty="0"/>
+              <a:t>COLLEGE:   AGURCHAND  MANMULL  JAIN COLLEGE</a:t>
+            </a:r>
           </a:p>
           <a:p>
             <a:r>
@@ -2943,7 +3002,9 @@
         <p:txBody>
           <a:bodyPr wrap="square" lIns="0" tIns="0" rIns="0" bIns="0" rtlCol="0"/>
           <a:lstStyle/>
-          <a:p/>
+          <a:p>
+            <a:endParaRPr/>
+          </a:p>
         </p:txBody>
       </p:sp>
       <p:sp>
@@ -2991,7 +3052,9 @@
         <p:txBody>
           <a:bodyPr wrap="square" lIns="0" tIns="0" rIns="0" bIns="0" rtlCol="0"/>
           <a:lstStyle/>
-          <a:p/>
+          <a:p>
+            <a:endParaRPr/>
+          </a:p>
         </p:txBody>
       </p:sp>
       <p:sp>
@@ -3039,7 +3102,9 @@
         <p:txBody>
           <a:bodyPr wrap="square" lIns="0" tIns="0" rIns="0" bIns="0" rtlCol="0"/>
           <a:lstStyle/>
-          <a:p/>
+          <a:p>
+            <a:endParaRPr/>
+          </a:p>
         </p:txBody>
       </p:sp>
       <p:pic>
@@ -3049,7 +3114,7 @@
           <p:nvPr/>
         </p:nvPicPr>
         <p:blipFill>
-          <a:blip r:embed="rId1" cstate="print"/>
+          <a:blip r:embed="rId2" cstate="print"/>
           <a:stretch>
             <a:fillRect/>
           </a:stretch>
@@ -3142,6 +3207,7 @@
                 <a:latin typeface="Trebuchet MS" panose="020B0603020202020204"/>
                 <a:cs typeface="Trebuchet MS" panose="020B0603020202020204"/>
               </a:rPr>
+              <a:t>10</a:t>
             </a:fld>
             <a:endParaRPr sz="1100">
               <a:latin typeface="Trebuchet MS" panose="020B0603020202020204"/>
@@ -3153,30 +3219,6 @@
       <p:pic>
         <p:nvPicPr>
           <p:cNvPr id="11" name="Picture 10"/>
-          <p:cNvPicPr>
-            <a:picLocks noChangeAspect="1"/>
-          </p:cNvPicPr>
-          <p:nvPr/>
-        </p:nvPicPr>
-        <p:blipFill>
-          <a:blip r:embed="rId2"/>
-          <a:stretch>
-            <a:fillRect/>
-          </a:stretch>
-        </p:blipFill>
-        <p:spPr>
-          <a:xfrm>
-            <a:off x="2895600" y="1489075"/>
-            <a:ext cx="2266315" cy="4996815"/>
-          </a:xfrm>
-          <a:prstGeom prst="rect">
-            <a:avLst/>
-          </a:prstGeom>
-        </p:spPr>
-      </p:pic>
-      <p:pic>
-        <p:nvPicPr>
-          <p:cNvPr id="12" name="Picture 11"/>
           <p:cNvPicPr>
             <a:picLocks noChangeAspect="1"/>
           </p:cNvPicPr>
@@ -3190,6 +3232,30 @@
         </p:blipFill>
         <p:spPr>
           <a:xfrm>
+            <a:off x="2895600" y="1489075"/>
+            <a:ext cx="2266315" cy="4996815"/>
+          </a:xfrm>
+          <a:prstGeom prst="rect">
+            <a:avLst/>
+          </a:prstGeom>
+        </p:spPr>
+      </p:pic>
+      <p:pic>
+        <p:nvPicPr>
+          <p:cNvPr id="12" name="Picture 11"/>
+          <p:cNvPicPr>
+            <a:picLocks noChangeAspect="1"/>
+          </p:cNvPicPr>
+          <p:nvPr/>
+        </p:nvPicPr>
+        <p:blipFill>
+          <a:blip r:embed="rId4"/>
+          <a:stretch>
+            <a:fillRect/>
+          </a:stretch>
+        </p:blipFill>
+        <p:spPr>
+          <a:xfrm>
             <a:off x="5615940" y="1489075"/>
             <a:ext cx="2473960" cy="4930775"/>
           </a:xfrm>
@@ -3207,7 +3273,7 @@
           <p:nvPr/>
         </p:nvPicPr>
         <p:blipFill>
-          <a:blip r:embed="rId4"/>
+          <a:blip r:embed="rId5"/>
           <a:stretch>
             <a:fillRect/>
           </a:stretch>
@@ -3292,7 +3358,9 @@
         <p:txBody>
           <a:bodyPr wrap="square" lIns="0" tIns="0" rIns="0" bIns="0" rtlCol="0"/>
           <a:lstStyle/>
-          <a:p/>
+          <a:p>
+            <a:endParaRPr/>
+          </a:p>
         </p:txBody>
       </p:sp>
       <p:sp>
@@ -3340,7 +3408,9 @@
         <p:txBody>
           <a:bodyPr wrap="square" lIns="0" tIns="0" rIns="0" bIns="0" rtlCol="0"/>
           <a:lstStyle/>
-          <a:p/>
+          <a:p>
+            <a:endParaRPr/>
+          </a:p>
         </p:txBody>
       </p:sp>
       <p:sp>
@@ -3388,7 +3458,9 @@
         <p:txBody>
           <a:bodyPr wrap="square" lIns="0" tIns="0" rIns="0" bIns="0" rtlCol="0"/>
           <a:lstStyle/>
-          <a:p/>
+          <a:p>
+            <a:endParaRPr/>
+          </a:p>
         </p:txBody>
       </p:sp>
       <p:pic>
@@ -3398,7 +3470,7 @@
           <p:nvPr/>
         </p:nvPicPr>
         <p:blipFill>
-          <a:blip r:embed="rId1" cstate="print"/>
+          <a:blip r:embed="rId2" cstate="print"/>
           <a:stretch>
             <a:fillRect/>
           </a:stretch>
@@ -3447,37 +3519,33 @@
               </a:spcBef>
             </a:pPr>
             <a:r>
-              <a:rPr lang="en-IN" dirty="0" smtClean="0"/>
+              <a:rPr lang="en-IN" dirty="0"/>
               <a:t>CONCLUSION</a:t>
             </a:r>
             <a:br>
-              <a:rPr lang="en-IN" dirty="0" smtClean="0"/>
+              <a:rPr lang="en-IN" dirty="0"/>
             </a:br>
             <a:br>
               <a:rPr lang="en-IN" dirty="0"/>
             </a:br>
             <a:r>
-              <a:rPr lang="en-US" sz="2400" dirty="0" smtClean="0"/>
-              <a:t>The </a:t>
-            </a:r>
-            <a:r>
               <a:rPr lang="en-US" sz="2400" dirty="0"/>
-              <a:t>project “Interactive Digital Portfolio using Front-End Development” successfully demonstrates how modern web technologies like HTML, CSS, and JavaScript can be used to build a responsive, user-friendly, and engaging portfolio. Unlike traditional resumes, this portfolio provides an interactive platform to showcase personal details, skills, and projects in a professional manner. It enhances personal branding, improves accessibility across devices, and serves as an effective tool for students, job seekers, and professionals to present their capabilities to recruiters and clients.</a:t>
+              <a:t>The project “Interactive Digital Portfolio using Front-End Development” successfully demonstrates how modern web technologies like HTML, CSS, and JavaScript can be used to build a responsive, user-friendly, and engaging portfolio. Unlike traditional resumes, this portfolio provides an interactive platform to showcase personal details, skills, and projects in a professional manner. It enhances personal branding, improves accessibility across devices, and serves as an effective tool for students, job seekers, and professionals to present their capabilities to recruiters and clients.</a:t>
             </a:r>
             <a:br>
-              <a:rPr lang="en-IN" dirty="0" smtClean="0"/>
+              <a:rPr lang="en-IN" dirty="0"/>
             </a:br>
             <a:br>
               <a:rPr lang="en-IN" dirty="0"/>
             </a:br>
             <a:br>
-              <a:rPr lang="en-IN" dirty="0" smtClean="0"/>
+              <a:rPr lang="en-IN" dirty="0"/>
             </a:br>
             <a:br>
               <a:rPr lang="en-IN" dirty="0"/>
             </a:br>
             <a:br>
-              <a:rPr lang="en-IN" dirty="0" smtClean="0"/>
+              <a:rPr lang="en-IN" dirty="0"/>
             </a:br>
             <a:endParaRPr dirty="0"/>
           </a:p>
@@ -3520,6 +3588,7 @@
                 <a:latin typeface="Trebuchet MS" panose="020B0603020202020204"/>
                 <a:cs typeface="Trebuchet MS" panose="020B0603020202020204"/>
               </a:rPr>
+              <a:t>11</a:t>
             </a:fld>
             <a:endParaRPr sz="1100">
               <a:latin typeface="Trebuchet MS" panose="020B0603020202020204"/>
@@ -3574,7 +3643,7 @@
           <a:lstStyle/>
           <a:p>
             <a:r>
-              <a:rPr lang="en-US" sz="6000" dirty="0" smtClean="0">
+              <a:rPr lang="en-US" sz="6000" dirty="0">
                 <a:latin typeface="Bahnschrift SemiBold Condensed" panose="020B0502040204020203" pitchFamily="34" charset="0"/>
                 <a:cs typeface="Arial" panose="020B0604020202020204" pitchFamily="34" charset="0"/>
               </a:rPr>
@@ -3857,7 +3926,9 @@
           <p:txBody>
             <a:bodyPr wrap="square" lIns="0" tIns="0" rIns="0" bIns="0" rtlCol="0"/>
             <a:lstStyle/>
-            <a:p/>
+            <a:p>
+              <a:endParaRPr/>
+            </a:p>
           </p:txBody>
         </p:sp>
         <p:sp>
@@ -3897,7 +3968,9 @@
           <p:txBody>
             <a:bodyPr wrap="square" lIns="0" tIns="0" rIns="0" bIns="0" rtlCol="0"/>
             <a:lstStyle/>
-            <a:p/>
+            <a:p>
+              <a:endParaRPr/>
+            </a:p>
           </p:txBody>
         </p:sp>
         <p:sp>
@@ -3947,7 +4020,9 @@
           <p:txBody>
             <a:bodyPr wrap="square" lIns="0" tIns="0" rIns="0" bIns="0" rtlCol="0"/>
             <a:lstStyle/>
-            <a:p/>
+            <a:p>
+              <a:endParaRPr/>
+            </a:p>
           </p:txBody>
         </p:sp>
         <p:sp>
@@ -3997,7 +4072,9 @@
           <p:txBody>
             <a:bodyPr wrap="square" lIns="0" tIns="0" rIns="0" bIns="0" rtlCol="0"/>
             <a:lstStyle/>
-            <a:p/>
+            <a:p>
+              <a:endParaRPr/>
+            </a:p>
           </p:txBody>
         </p:sp>
         <p:sp>
@@ -4044,7 +4121,9 @@
           <p:txBody>
             <a:bodyPr wrap="square" lIns="0" tIns="0" rIns="0" bIns="0" rtlCol="0"/>
             <a:lstStyle/>
-            <a:p/>
+            <a:p>
+              <a:endParaRPr/>
+            </a:p>
           </p:txBody>
         </p:sp>
         <p:sp>
@@ -4094,7 +4173,9 @@
           <p:txBody>
             <a:bodyPr wrap="square" lIns="0" tIns="0" rIns="0" bIns="0" rtlCol="0"/>
             <a:lstStyle/>
-            <a:p/>
+            <a:p>
+              <a:endParaRPr/>
+            </a:p>
           </p:txBody>
         </p:sp>
         <p:sp>
@@ -4144,7 +4225,9 @@
           <p:txBody>
             <a:bodyPr wrap="square" lIns="0" tIns="0" rIns="0" bIns="0" rtlCol="0"/>
             <a:lstStyle/>
-            <a:p/>
+            <a:p>
+              <a:endParaRPr/>
+            </a:p>
           </p:txBody>
         </p:sp>
         <p:sp>
@@ -4194,7 +4277,9 @@
           <p:txBody>
             <a:bodyPr wrap="square" lIns="0" tIns="0" rIns="0" bIns="0" rtlCol="0"/>
             <a:lstStyle/>
-            <a:p/>
+            <a:p>
+              <a:endParaRPr/>
+            </a:p>
           </p:txBody>
         </p:sp>
         <p:sp>
@@ -4241,7 +4326,9 @@
           <p:txBody>
             <a:bodyPr wrap="square" lIns="0" tIns="0" rIns="0" bIns="0" rtlCol="0"/>
             <a:lstStyle/>
-            <a:p/>
+            <a:p>
+              <a:endParaRPr/>
+            </a:p>
           </p:txBody>
         </p:sp>
       </p:grpSp>
@@ -4289,7 +4376,9 @@
         <p:txBody>
           <a:bodyPr wrap="square" lIns="0" tIns="0" rIns="0" bIns="0" rtlCol="0"/>
           <a:lstStyle/>
-          <a:p/>
+          <a:p>
+            <a:endParaRPr/>
+          </a:p>
         </p:txBody>
       </p:sp>
       <p:sp>
@@ -4570,7 +4659,9 @@
         <p:txBody>
           <a:bodyPr wrap="square" lIns="0" tIns="0" rIns="0" bIns="0" rtlCol="0"/>
           <a:lstStyle/>
-          <a:p/>
+          <a:p>
+            <a:endParaRPr/>
+          </a:p>
         </p:txBody>
       </p:sp>
       <p:sp>
@@ -4738,7 +4829,9 @@
         <p:txBody>
           <a:bodyPr wrap="square" lIns="0" tIns="0" rIns="0" bIns="0" rtlCol="0"/>
           <a:lstStyle/>
-          <a:p/>
+          <a:p>
+            <a:endParaRPr/>
+          </a:p>
         </p:txBody>
       </p:sp>
       <p:pic>
@@ -4748,7 +4841,7 @@
           <p:nvPr/>
         </p:nvPicPr>
         <p:blipFill>
-          <a:blip r:embed="rId1" cstate="print"/>
+          <a:blip r:embed="rId2" cstate="print"/>
           <a:stretch>
             <a:fillRect/>
           </a:stretch>
@@ -4784,7 +4877,7 @@
             <p:nvPr/>
           </p:nvPicPr>
           <p:blipFill>
-            <a:blip r:embed="rId2" cstate="print"/>
+            <a:blip r:embed="rId3" cstate="print"/>
             <a:stretch>
               <a:fillRect/>
             </a:stretch>
@@ -4806,7 +4899,7 @@
             <p:nvPr/>
           </p:nvPicPr>
           <p:blipFill>
-            <a:blip r:embed="rId3" cstate="print"/>
+            <a:blip r:embed="rId4" cstate="print"/>
             <a:stretch>
               <a:fillRect/>
             </a:stretch>
@@ -4875,7 +4968,6 @@
               <a:rPr dirty="0"/>
               <a:t>DA</a:t>
             </a:r>
-            <a:endParaRPr dirty="0"/>
           </a:p>
         </p:txBody>
       </p:sp>
@@ -4910,6 +5002,7 @@
             </a:pPr>
             <a:fld id="{81D60167-4931-47E6-BA6A-407CBD079E47}" type="slidenum">
               <a:rPr spc="10" dirty="0"/>
+              <a:t>3</a:t>
             </a:fld>
             <a:endParaRPr spc="10" dirty="0"/>
           </a:p>
@@ -4963,14 +5056,6 @@
               </a:rPr>
               <a:t>Problem Statement</a:t>
             </a:r>
-            <a:endParaRPr lang="en-US" sz="2800" b="0" i="0" dirty="0">
-              <a:solidFill>
-                <a:srgbClr val="0D0D0D"/>
-              </a:solidFill>
-              <a:effectLst/>
-              <a:latin typeface="Times New Roman" panose="02020603050405020304" pitchFamily="18" charset="0"/>
-              <a:cs typeface="Times New Roman" panose="02020603050405020304" pitchFamily="18" charset="0"/>
-            </a:endParaRPr>
           </a:p>
           <a:p>
             <a:pPr algn="l">
@@ -4988,14 +5073,6 @@
               </a:rPr>
               <a:t>Project Overview</a:t>
             </a:r>
-            <a:endParaRPr lang="en-US" sz="2800" b="0" i="0" dirty="0">
-              <a:solidFill>
-                <a:srgbClr val="0D0D0D"/>
-              </a:solidFill>
-              <a:effectLst/>
-              <a:latin typeface="Times New Roman" panose="02020603050405020304" pitchFamily="18" charset="0"/>
-              <a:cs typeface="Times New Roman" panose="02020603050405020304" pitchFamily="18" charset="0"/>
-            </a:endParaRPr>
           </a:p>
           <a:p>
             <a:pPr algn="l">
@@ -5013,14 +5090,6 @@
               </a:rPr>
               <a:t>End Users</a:t>
             </a:r>
-            <a:endParaRPr lang="en-US" sz="2800" b="0" i="0" dirty="0">
-              <a:solidFill>
-                <a:srgbClr val="0D0D0D"/>
-              </a:solidFill>
-              <a:effectLst/>
-              <a:latin typeface="Times New Roman" panose="02020603050405020304" pitchFamily="18" charset="0"/>
-              <a:cs typeface="Times New Roman" panose="02020603050405020304" pitchFamily="18" charset="0"/>
-            </a:endParaRPr>
           </a:p>
           <a:p>
             <a:pPr algn="l">
@@ -5062,14 +5131,6 @@
               </a:rPr>
               <a:t>Portfolio design and Layout</a:t>
             </a:r>
-            <a:endParaRPr lang="en-US" sz="2800" b="0" i="0" dirty="0">
-              <a:solidFill>
-                <a:srgbClr val="0D0D0D"/>
-              </a:solidFill>
-              <a:effectLst/>
-              <a:latin typeface="Times New Roman" panose="02020603050405020304" pitchFamily="18" charset="0"/>
-              <a:cs typeface="Times New Roman" panose="02020603050405020304" pitchFamily="18" charset="0"/>
-            </a:endParaRPr>
           </a:p>
           <a:p>
             <a:pPr algn="l">
@@ -5146,14 +5207,6 @@
               </a:rPr>
               <a:t>Conclusion</a:t>
             </a:r>
-            <a:endParaRPr lang="en-US" sz="2800" b="0" i="0" dirty="0">
-              <a:solidFill>
-                <a:srgbClr val="0D0D0D"/>
-              </a:solidFill>
-              <a:effectLst/>
-              <a:latin typeface="Times New Roman" panose="02020603050405020304" pitchFamily="18" charset="0"/>
-              <a:cs typeface="Times New Roman" panose="02020603050405020304" pitchFamily="18" charset="0"/>
-            </a:endParaRPr>
           </a:p>
           <a:p>
             <a:pPr algn="l">
@@ -5281,7 +5334,9 @@
           <p:txBody>
             <a:bodyPr wrap="square" lIns="0" tIns="0" rIns="0" bIns="0" rtlCol="0"/>
             <a:lstStyle/>
-            <a:p/>
+            <a:p>
+              <a:endParaRPr/>
+            </a:p>
           </p:txBody>
         </p:sp>
         <p:sp>
@@ -5329,7 +5384,9 @@
           <p:txBody>
             <a:bodyPr wrap="square" lIns="0" tIns="0" rIns="0" bIns="0" rtlCol="0"/>
             <a:lstStyle/>
-            <a:p/>
+            <a:p>
+              <a:endParaRPr/>
+            </a:p>
           </p:txBody>
         </p:sp>
         <p:pic>
@@ -5339,7 +5396,7 @@
             <p:nvPr/>
           </p:nvPicPr>
           <p:blipFill>
-            <a:blip r:embed="rId1" cstate="print"/>
+            <a:blip r:embed="rId2" cstate="print"/>
             <a:stretch>
               <a:fillRect/>
             </a:stretch>
@@ -5400,7 +5457,9 @@
         <p:txBody>
           <a:bodyPr wrap="square" lIns="0" tIns="0" rIns="0" bIns="0" rtlCol="0"/>
           <a:lstStyle/>
-          <a:p/>
+          <a:p>
+            <a:endParaRPr/>
+          </a:p>
         </p:txBody>
       </p:sp>
       <p:sp>
@@ -5464,47 +5523,47 @@
               <a:t>	</a:t>
             </a:r>
             <a:r>
-              <a:rPr sz="4250" spc="10" dirty="0" smtClean="0"/>
+              <a:rPr sz="4250" spc="10" dirty="0"/>
               <a:t>S</a:t>
             </a:r>
             <a:r>
-              <a:rPr sz="4250" spc="-370" dirty="0" smtClean="0"/>
+              <a:rPr sz="4250" spc="-370" dirty="0"/>
               <a:t>T</a:t>
             </a:r>
             <a:r>
-              <a:rPr sz="4250" spc="-375" dirty="0" smtClean="0"/>
+              <a:rPr sz="4250" spc="-375" dirty="0"/>
               <a:t>A</a:t>
             </a:r>
             <a:r>
-              <a:rPr sz="4250" spc="15" dirty="0" smtClean="0"/>
+              <a:rPr sz="4250" spc="15" dirty="0"/>
               <a:t>T</a:t>
             </a:r>
             <a:r>
-              <a:rPr sz="4250" spc="-10" dirty="0" smtClean="0"/>
+              <a:rPr sz="4250" spc="-10" dirty="0"/>
               <a:t>E</a:t>
             </a:r>
             <a:r>
-              <a:rPr sz="4250" spc="-20" dirty="0" smtClean="0"/>
+              <a:rPr sz="4250" spc="-20" dirty="0"/>
               <a:t>ME</a:t>
             </a:r>
             <a:r>
-              <a:rPr sz="4250" spc="10" dirty="0" smtClean="0"/>
+              <a:rPr sz="4250" spc="10" dirty="0"/>
               <a:t>NT</a:t>
             </a:r>
             <a:br>
-              <a:rPr lang="en-US" sz="4250" spc="10" dirty="0" smtClean="0"/>
+              <a:rPr lang="en-US" sz="4250" spc="10" dirty="0"/>
             </a:br>
             <a:br>
               <a:rPr lang="en-US" sz="4250" spc="10" dirty="0"/>
             </a:br>
             <a:br>
-              <a:rPr lang="en-US" sz="4250" spc="10" dirty="0" smtClean="0"/>
+              <a:rPr lang="en-US" sz="4250" spc="10" dirty="0"/>
             </a:br>
             <a:br>
               <a:rPr lang="en-US" sz="4250" spc="10" dirty="0"/>
             </a:br>
             <a:br>
-              <a:rPr lang="en-US" sz="4250" spc="10" dirty="0" smtClean="0"/>
+              <a:rPr lang="en-US" sz="4250" spc="10" dirty="0"/>
             </a:br>
             <a:endParaRPr sz="4250" dirty="0"/>
           </a:p>
@@ -5517,7 +5576,7 @@
           <p:nvPr/>
         </p:nvPicPr>
         <p:blipFill>
-          <a:blip r:embed="rId2" cstate="print"/>
+          <a:blip r:embed="rId3" cstate="print"/>
           <a:stretch>
             <a:fillRect/>
           </a:stretch>
@@ -5563,6 +5622,7 @@
             </a:pPr>
             <a:fld id="{81D60167-4931-47E6-BA6A-407CBD079E47}" type="slidenum">
               <a:rPr spc="10" dirty="0"/>
+              <a:t>4</a:t>
             </a:fld>
             <a:endParaRPr spc="10" dirty="0"/>
           </a:p>
@@ -5685,7 +5745,9 @@
           <p:txBody>
             <a:bodyPr wrap="square" lIns="0" tIns="0" rIns="0" bIns="0" rtlCol="0"/>
             <a:lstStyle/>
-            <a:p/>
+            <a:p>
+              <a:endParaRPr/>
+            </a:p>
           </p:txBody>
         </p:sp>
         <p:sp>
@@ -5733,7 +5795,9 @@
           <p:txBody>
             <a:bodyPr wrap="square" lIns="0" tIns="0" rIns="0" bIns="0" rtlCol="0"/>
             <a:lstStyle/>
-            <a:p/>
+            <a:p>
+              <a:endParaRPr/>
+            </a:p>
           </p:txBody>
         </p:sp>
         <p:pic>
@@ -5743,7 +5807,7 @@
             <p:nvPr/>
           </p:nvPicPr>
           <p:blipFill>
-            <a:blip r:embed="rId1" cstate="print"/>
+            <a:blip r:embed="rId2" cstate="print"/>
             <a:stretch>
               <a:fillRect/>
             </a:stretch>
@@ -5804,7 +5868,9 @@
         <p:txBody>
           <a:bodyPr wrap="square" lIns="0" tIns="0" rIns="0" bIns="0" rtlCol="0"/>
           <a:lstStyle/>
-          <a:p/>
+          <a:p>
+            <a:endParaRPr/>
+          </a:p>
         </p:txBody>
       </p:sp>
       <p:sp>
@@ -5848,11 +5914,11 @@
               <a:t>PROJECT	</a:t>
             </a:r>
             <a:r>
-              <a:rPr sz="4250" spc="-20" dirty="0" smtClean="0"/>
+              <a:rPr sz="4250" spc="-20" dirty="0"/>
               <a:t>OVERVIEW</a:t>
             </a:r>
             <a:br>
-              <a:rPr lang="en-US" sz="4250" spc="-20" dirty="0" smtClean="0"/>
+              <a:rPr lang="en-US" sz="4250" spc="-20" dirty="0"/>
             </a:br>
             <a:br>
               <a:rPr lang="en-US" sz="4250" spc="-20" dirty="0"/>
@@ -5872,13 +5938,13 @@
               <a:rPr lang="en-US" sz="4250" spc="-20" dirty="0"/>
             </a:br>
             <a:br>
-              <a:rPr lang="en-US" sz="4250" spc="-20" dirty="0" smtClean="0"/>
+              <a:rPr lang="en-US" sz="4250" spc="-20" dirty="0"/>
             </a:br>
             <a:br>
               <a:rPr lang="en-US" sz="4250" spc="-20" dirty="0"/>
             </a:br>
             <a:br>
-              <a:rPr lang="en-US" sz="4250" spc="-20" dirty="0" smtClean="0"/>
+              <a:rPr lang="en-US" sz="4250" spc="-20" dirty="0"/>
             </a:br>
             <a:br>
               <a:rPr lang="en-US" sz="4250" spc="-20" dirty="0"/>
@@ -5894,7 +5960,7 @@
           <p:nvPr/>
         </p:nvPicPr>
         <p:blipFill>
-          <a:blip r:embed="rId2" cstate="print"/>
+          <a:blip r:embed="rId3" cstate="print"/>
           <a:stretch>
             <a:fillRect/>
           </a:stretch>
@@ -5940,6 +6006,7 @@
             </a:pPr>
             <a:fld id="{81D60167-4931-47E6-BA6A-407CBD079E47}" type="slidenum">
               <a:rPr spc="10" dirty="0"/>
+              <a:t>5</a:t>
             </a:fld>
             <a:endParaRPr spc="10" dirty="0"/>
           </a:p>
@@ -6015,7 +6082,9 @@
         <p:txBody>
           <a:bodyPr wrap="square" lIns="0" tIns="0" rIns="0" bIns="0" rtlCol="0"/>
           <a:lstStyle/>
-          <a:p/>
+          <a:p>
+            <a:endParaRPr/>
+          </a:p>
         </p:txBody>
       </p:sp>
       <p:sp>
@@ -6063,7 +6132,9 @@
         <p:txBody>
           <a:bodyPr wrap="square" lIns="0" tIns="0" rIns="0" bIns="0" rtlCol="0"/>
           <a:lstStyle/>
-          <a:p/>
+          <a:p>
+            <a:endParaRPr/>
+          </a:p>
         </p:txBody>
       </p:sp>
       <p:sp>
@@ -6111,7 +6182,9 @@
         <p:txBody>
           <a:bodyPr wrap="square" lIns="0" tIns="0" rIns="0" bIns="0" rtlCol="0"/>
           <a:lstStyle/>
-          <a:p/>
+          <a:p>
+            <a:endParaRPr/>
+          </a:p>
         </p:txBody>
       </p:sp>
       <p:sp>
@@ -6225,14 +6298,10 @@
             </a:r>
             <a:r>
               <a:rPr sz="3200" spc="5" dirty="0"/>
-              <a:t>S</a:t>
-            </a:r>
-            <a:r>
-              <a:rPr sz="3200" spc="5" dirty="0" smtClean="0"/>
-              <a:t>?</a:t>
+              <a:t>S?</a:t>
             </a:r>
             <a:br>
-              <a:rPr lang="en-US" sz="3200" spc="5" dirty="0" smtClean="0"/>
+              <a:rPr lang="en-US" sz="3200" spc="5" dirty="0"/>
             </a:br>
             <a:br>
               <a:rPr lang="en-US" sz="3200" spc="5" dirty="0"/>
@@ -6242,61 +6311,37 @@
             </a:br>
             <a:r>
               <a:rPr lang="en-US" sz="2400" spc="5" dirty="0"/>
-              <a:t>1. Students &amp; Job Seekers – who use the portfolio to showcase their skills, projects, and achievements to recruiters</a:t>
-            </a:r>
-            <a:r>
-              <a:rPr lang="en-US" sz="2400" spc="5" dirty="0" smtClean="0"/>
-              <a:t>.</a:t>
+              <a:t>1. Students &amp; Job Seekers – who use the portfolio to showcase their skills, projects, and achievements to recruiters.</a:t>
             </a:r>
             <a:br>
-              <a:rPr lang="en-US" sz="2400" spc="5" dirty="0" smtClean="0"/>
+              <a:rPr lang="en-US" sz="2400" spc="5" dirty="0"/>
             </a:br>
             <a:br>
-              <a:rPr lang="en-US" sz="2400" spc="5" dirty="0" smtClean="0"/>
+              <a:rPr lang="en-US" sz="2400" spc="5" dirty="0"/>
             </a:br>
             <a:r>
-              <a:rPr lang="en-US" sz="2400" spc="5" dirty="0" smtClean="0"/>
-              <a:t>2</a:t>
-            </a:r>
-            <a:r>
               <a:rPr lang="en-US" sz="2400" spc="5" dirty="0"/>
-              <a:t>. Recruiters &amp; Employers – who view the portfolio to evaluate the candidate’s abilities, creativity, and technical expertise</a:t>
-            </a:r>
-            <a:r>
-              <a:rPr lang="en-US" sz="2400" spc="5" dirty="0" smtClean="0"/>
-              <a:t>.</a:t>
+              <a:t>2. Recruiters &amp; Employers – who view the portfolio to evaluate the candidate’s abilities, creativity, and technical expertise.</a:t>
             </a:r>
             <a:br>
-              <a:rPr lang="en-US" sz="2400" spc="5" dirty="0" smtClean="0"/>
+              <a:rPr lang="en-US" sz="2400" spc="5" dirty="0"/>
             </a:br>
             <a:br>
-              <a:rPr lang="en-US" sz="2400" spc="5" dirty="0" smtClean="0"/>
+              <a:rPr lang="en-US" sz="2400" spc="5" dirty="0"/>
             </a:br>
             <a:r>
-              <a:rPr lang="en-US" sz="2400" spc="5" dirty="0" smtClean="0"/>
-              <a:t>3</a:t>
-            </a:r>
-            <a:r>
               <a:rPr lang="en-US" sz="2400" spc="5" dirty="0"/>
-              <a:t>. Freelancers &amp; Professionals – who present their work to potential clients or collaborators</a:t>
-            </a:r>
-            <a:r>
-              <a:rPr lang="en-US" sz="2400" spc="5" dirty="0" smtClean="0"/>
-              <a:t>.</a:t>
+              <a:t>3. Freelancers &amp; Professionals – who present their work to potential clients or collaborators.</a:t>
             </a:r>
             <a:br>
-              <a:rPr lang="en-US" sz="2400" spc="5" dirty="0" smtClean="0"/>
+              <a:rPr lang="en-US" sz="2400" spc="5" dirty="0"/>
             </a:br>
             <a:br>
-              <a:rPr lang="en-US" sz="2400" spc="5" dirty="0" smtClean="0"/>
+              <a:rPr lang="en-US" sz="2400" spc="5" dirty="0"/>
             </a:br>
             <a:r>
-              <a:rPr lang="en-US" sz="2400" spc="5" dirty="0" smtClean="0"/>
-              <a:t>4</a:t>
-            </a:r>
-            <a:r>
               <a:rPr lang="en-US" sz="2400" spc="5" dirty="0"/>
-              <a:t>. Educators &amp; Peers – who may review the portfolio for academic, mentoring, or networking purposes</a:t>
+              <a:t>4. Educators &amp; Peers – who may review the portfolio for academic, mentoring, or networking purposes</a:t>
             </a:r>
             <a:r>
               <a:rPr lang="en-US" sz="3200" spc="5" dirty="0"/>
@@ -6304,15 +6349,15 @@
             </a:r>
             <a:br>
               <a:rPr lang="en-US" sz="3200" spc="5" dirty="0"/>
-            </a:br>
-            <a:br>
-              <a:rPr lang="en-US" sz="3200" spc="5" dirty="0" smtClean="0"/>
             </a:br>
             <a:br>
               <a:rPr lang="en-US" sz="3200" spc="5" dirty="0"/>
             </a:br>
             <a:br>
-              <a:rPr lang="en-US" sz="3200" spc="5" dirty="0" smtClean="0"/>
+              <a:rPr lang="en-US" sz="3200" spc="5" dirty="0"/>
+            </a:br>
+            <a:br>
+              <a:rPr lang="en-US" sz="3200" spc="5" dirty="0"/>
             </a:br>
             <a:br>
               <a:rPr lang="en-US" sz="3200" spc="5" dirty="0"/>
@@ -6328,7 +6373,7 @@
           <p:nvPr/>
         </p:nvPicPr>
         <p:blipFill>
-          <a:blip r:embed="rId1" cstate="print"/>
+          <a:blip r:embed="rId2" cstate="print"/>
           <a:stretch>
             <a:fillRect/>
           </a:stretch>
@@ -6374,6 +6419,7 @@
             </a:pPr>
             <a:fld id="{81D60167-4931-47E6-BA6A-407CBD079E47}" type="slidenum">
               <a:rPr spc="10" dirty="0"/>
+              <a:t>6</a:t>
             </a:fld>
             <a:endParaRPr spc="10" dirty="0"/>
           </a:p>
@@ -6411,7 +6457,7 @@
           <p:nvPr/>
         </p:nvPicPr>
         <p:blipFill>
-          <a:blip r:embed="rId1" cstate="print"/>
+          <a:blip r:embed="rId2" cstate="print"/>
           <a:stretch>
             <a:fillRect/>
           </a:stretch>
@@ -6471,7 +6517,9 @@
         <p:txBody>
           <a:bodyPr wrap="square" lIns="0" tIns="0" rIns="0" bIns="0" rtlCol="0"/>
           <a:lstStyle/>
-          <a:p/>
+          <a:p>
+            <a:endParaRPr/>
+          </a:p>
         </p:txBody>
       </p:sp>
       <p:sp>
@@ -6519,7 +6567,9 @@
         <p:txBody>
           <a:bodyPr wrap="square" lIns="0" tIns="0" rIns="0" bIns="0" rtlCol="0"/>
           <a:lstStyle/>
-          <a:p/>
+          <a:p>
+            <a:endParaRPr/>
+          </a:p>
         </p:txBody>
       </p:sp>
       <p:sp>
@@ -6567,7 +6617,9 @@
         <p:txBody>
           <a:bodyPr wrap="square" lIns="0" tIns="0" rIns="0" bIns="0" rtlCol="0"/>
           <a:lstStyle/>
-          <a:p/>
+          <a:p>
+            <a:endParaRPr/>
+          </a:p>
         </p:txBody>
       </p:sp>
       <p:sp>
@@ -6605,21 +6657,17 @@
             </a:pPr>
             <a:r>
               <a:rPr lang="en-IN" sz="3600" spc="10" dirty="0"/>
-              <a:t>TOOLS AND </a:t>
-            </a:r>
-            <a:r>
-              <a:rPr lang="en-IN" sz="3600" spc="10" dirty="0" smtClean="0"/>
-              <a:t>TECHNIQUES</a:t>
+              <a:t>TOOLS AND TECHNIQUES</a:t>
             </a:r>
             <a:br>
-              <a:rPr lang="en-IN" sz="3600" spc="10" dirty="0" smtClean="0"/>
+              <a:rPr lang="en-IN" sz="3600" spc="10" dirty="0"/>
             </a:br>
             <a:r>
-              <a:rPr lang="en-IN" sz="3600" spc="10" dirty="0" smtClean="0"/>
+              <a:rPr lang="en-IN" sz="3600" spc="10" dirty="0"/>
               <a:t>      </a:t>
             </a:r>
             <a:r>
-              <a:rPr lang="en-IN" sz="3600" spc="10" dirty="0" smtClean="0">
+              <a:rPr lang="en-IN" sz="3600" spc="10" dirty="0">
                 <a:latin typeface="Sitka Text" panose="02000505000000020004" pitchFamily="2" charset="0"/>
               </a:rPr>
               <a:t>TOOLS:</a:t>
@@ -6628,113 +6676,53 @@
               <a:rPr lang="en-IN" sz="3600" spc="10" dirty="0"/>
             </a:br>
             <a:r>
-              <a:rPr lang="en-IN" sz="3600" spc="10" dirty="0" smtClean="0"/>
+              <a:rPr lang="en-IN" sz="3600" spc="10" dirty="0"/>
               <a:t>              </a:t>
             </a:r>
             <a:r>
-              <a:rPr lang="en-IN" sz="1800" spc="10" dirty="0" smtClean="0"/>
-              <a:t>HTML5 </a:t>
-            </a:r>
-            <a:r>
               <a:rPr lang="en-IN" sz="1800" spc="10" dirty="0"/>
-              <a:t>– for structuring the web pages and content</a:t>
-            </a:r>
-            <a:r>
-              <a:rPr lang="en-IN" sz="1800" spc="10" dirty="0" smtClean="0"/>
-              <a:t>.    </a:t>
+              <a:t>HTML5 – for structuring the web pages and content.    </a:t>
             </a:r>
             <a:br>
-              <a:rPr lang="en-IN" sz="1800" spc="10" dirty="0" smtClean="0"/>
+              <a:rPr lang="en-IN" sz="1800" spc="10" dirty="0"/>
             </a:br>
             <a:r>
-              <a:rPr lang="en-IN" sz="1800" spc="10" dirty="0" smtClean="0"/>
-              <a:t>                            CSS3 </a:t>
-            </a:r>
-            <a:r>
               <a:rPr lang="en-IN" sz="1800" spc="10" dirty="0"/>
-              <a:t>– for styling, layout design, and responsiveness</a:t>
-            </a:r>
-            <a:r>
-              <a:rPr lang="en-IN" sz="1800" spc="10" dirty="0" smtClean="0"/>
-              <a:t>.</a:t>
+              <a:t>                            CSS3 – for styling, layout design, and responsiveness.</a:t>
             </a:r>
             <a:br>
-              <a:rPr lang="en-IN" sz="1800" spc="10" dirty="0" smtClean="0"/>
+              <a:rPr lang="en-IN" sz="1800" spc="10" dirty="0"/>
             </a:br>
             <a:r>
               <a:rPr lang="en-IN" sz="1800" spc="10" dirty="0"/>
-              <a:t> </a:t>
-            </a:r>
-            <a:r>
-              <a:rPr lang="en-IN" sz="1800" spc="10" dirty="0" smtClean="0"/>
-              <a:t>                           JavaScript </a:t>
-            </a:r>
-            <a:r>
+              <a:t>                            JavaScript – for adding interactivity and dynamic features.</a:t>
+            </a:r>
+            <a:br>
               <a:rPr lang="en-IN" sz="1800" spc="10" dirty="0"/>
-              <a:t>– for adding interactivity and dynamic features</a:t>
-            </a:r>
-            <a:r>
-              <a:rPr lang="en-IN" sz="1800" spc="10" dirty="0" smtClean="0"/>
-              <a:t>.</a:t>
+            </a:br>
+            <a:r>
+              <a:rPr lang="en-IN" sz="1800" spc="10" dirty="0"/>
+              <a:t>                            Code Editor (VS Code / Sublime Text) – for writing and managing code.                                           </a:t>
             </a:r>
             <a:br>
-              <a:rPr lang="en-IN" sz="1800" spc="10" dirty="0" smtClean="0"/>
+              <a:rPr lang="en-IN" sz="1800" spc="10" dirty="0"/>
             </a:br>
             <a:r>
               <a:rPr lang="en-IN" sz="1800" spc="10" dirty="0"/>
-              <a:t> </a:t>
-            </a:r>
-            <a:r>
-              <a:rPr lang="en-IN" sz="1800" spc="10" dirty="0" smtClean="0"/>
-              <a:t>                           Code </a:t>
-            </a:r>
-            <a:r>
-              <a:rPr lang="en-IN" sz="1800" spc="10" dirty="0"/>
-              <a:t>Editor (VS Code / Sublime Text) – for writing and managing </a:t>
-            </a:r>
-            <a:r>
-              <a:rPr lang="en-IN" sz="1800" spc="10" dirty="0" smtClean="0"/>
-              <a:t>code.                                           </a:t>
-            </a:r>
-            <a:br>
-              <a:rPr lang="en-IN" sz="1800" spc="10" dirty="0" smtClean="0"/>
-            </a:br>
-            <a:r>
-              <a:rPr lang="en-IN" sz="1800" spc="10" dirty="0" smtClean="0"/>
-              <a:t>                            Version </a:t>
-            </a:r>
-            <a:r>
-              <a:rPr lang="en-IN" sz="1800" spc="10" dirty="0"/>
-              <a:t>Control (</a:t>
-            </a:r>
-            <a:r>
-              <a:rPr lang="en-IN" sz="1800" spc="10" dirty="0" smtClean="0"/>
-              <a:t>Git) </a:t>
-            </a:r>
-            <a:r>
-              <a:rPr lang="en-IN" sz="1800" spc="10" dirty="0"/>
-              <a:t>– for managing code versions </a:t>
-            </a:r>
-            <a:r>
-              <a:rPr lang="en-IN" sz="1800" spc="10" dirty="0" smtClean="0"/>
-              <a:t>and hosting </a:t>
-            </a:r>
-            <a:r>
-              <a:rPr lang="en-IN" sz="1800" spc="10" dirty="0"/>
-              <a:t>the portfolio online.</a:t>
+              <a:t>                            Version Control (Git) – for managing code versions and hosting the portfolio online.</a:t>
             </a:r>
             <a:br>
               <a:rPr lang="en-IN" sz="3600" spc="10" dirty="0"/>
             </a:br>
             <a:r>
-              <a:rPr lang="en-IN" sz="3600" spc="10" dirty="0" smtClean="0"/>
+              <a:rPr lang="en-IN" sz="3600" spc="10" dirty="0"/>
               <a:t>    </a:t>
             </a:r>
             <a:br>
-              <a:rPr lang="en-IN" sz="3600" spc="10" dirty="0" smtClean="0"/>
+              <a:rPr lang="en-IN" sz="3600" spc="10" dirty="0"/>
             </a:br>
             <a:r>
-              <a:rPr lang="en-IN" sz="3600" spc="10" dirty="0" smtClean="0"/>
+              <a:rPr lang="en-IN" sz="3600" spc="10" dirty="0"/>
               <a:t> </a:t>
             </a:r>
             <a:r>
@@ -6749,150 +6737,84 @@
               </a:rPr>
             </a:br>
             <a:r>
-              <a:rPr lang="en-IN" sz="3600" spc="10" dirty="0" smtClean="0">
+              <a:rPr lang="en-IN" sz="3600" spc="10" dirty="0">
                 <a:latin typeface="Calisto MT" panose="02040603050505030304" pitchFamily="18" charset="0"/>
               </a:rPr>
               <a:t>                 </a:t>
             </a:r>
             <a:r>
-              <a:rPr lang="en-IN" sz="1800" spc="10" dirty="0" smtClean="0">
-                <a:latin typeface="Calisto MT" panose="02040603050505030304" pitchFamily="18" charset="0"/>
-              </a:rPr>
-              <a:t>Responsive </a:t>
-            </a:r>
-            <a:r>
               <a:rPr lang="en-IN" sz="1800" spc="10" dirty="0">
                 <a:latin typeface="Calisto MT" panose="02040603050505030304" pitchFamily="18" charset="0"/>
               </a:rPr>
-              <a:t>Web </a:t>
-            </a:r>
-            <a:r>
-              <a:rPr lang="en-IN" sz="1800" spc="10" dirty="0" smtClean="0">
-                <a:latin typeface="Calisto MT" panose="02040603050505030304" pitchFamily="18" charset="0"/>
-              </a:rPr>
-              <a:t>Design– </a:t>
-            </a:r>
-            <a:r>
+              <a:t>Responsive Web Design– to ensure compatibility across devices (desktop, tablet, mobile).</a:t>
+            </a:r>
+            <a:br>
               <a:rPr lang="en-IN" sz="1800" spc="10" dirty="0">
                 <a:latin typeface="Calisto MT" panose="02040603050505030304" pitchFamily="18" charset="0"/>
               </a:rPr>
-              <a:t>to ensure compatibility across devices (desktop, tablet, mobile</a:t>
-            </a:r>
-            <a:r>
-              <a:rPr lang="en-IN" sz="1800" spc="10" dirty="0" smtClean="0">
+            </a:br>
+            <a:r>
+              <a:rPr lang="en-IN" sz="1800" spc="10" dirty="0">
                 <a:latin typeface="Calisto MT" panose="02040603050505030304" pitchFamily="18" charset="0"/>
               </a:rPr>
-              <a:t>).</a:t>
+              <a:t>                                 </a:t>
+            </a:r>
+            <a:r>
+              <a:rPr lang="en-IN" sz="1800" spc="10" dirty="0" err="1">
+                <a:latin typeface="Calisto MT" panose="02040603050505030304" pitchFamily="18" charset="0"/>
+              </a:rPr>
+              <a:t>Flexbox</a:t>
+            </a:r>
+            <a:r>
+              <a:rPr lang="en-IN" sz="1800" spc="10" dirty="0">
+                <a:latin typeface="Calisto MT" panose="02040603050505030304" pitchFamily="18" charset="0"/>
+              </a:rPr>
+              <a:t> and Grid Layouts – for modern, flexible page structuring.</a:t>
             </a:r>
             <a:br>
-              <a:rPr lang="en-IN" sz="1800" spc="10" dirty="0" smtClean="0">
+              <a:rPr lang="en-IN" sz="1800" spc="10" dirty="0">
                 <a:latin typeface="Calisto MT" panose="02040603050505030304" pitchFamily="18" charset="0"/>
               </a:rPr>
             </a:br>
             <a:r>
-              <a:rPr lang="en-IN" sz="1800" spc="10" dirty="0" smtClean="0">
-                <a:latin typeface="Calisto MT" panose="02040603050505030304" pitchFamily="18" charset="0"/>
-              </a:rPr>
-              <a:t>                                 </a:t>
-            </a:r>
-            <a:r>
-              <a:rPr lang="en-IN" sz="1800" spc="10" dirty="0" err="1" smtClean="0">
-                <a:latin typeface="Calisto MT" panose="02040603050505030304" pitchFamily="18" charset="0"/>
-              </a:rPr>
-              <a:t>Flexbox</a:t>
-            </a:r>
-            <a:r>
-              <a:rPr lang="en-IN" sz="1800" spc="10" dirty="0" smtClean="0">
-                <a:latin typeface="Calisto MT" panose="02040603050505030304" pitchFamily="18" charset="0"/>
-              </a:rPr>
-              <a:t> </a:t>
-            </a:r>
-            <a:r>
               <a:rPr lang="en-IN" sz="1800" spc="10" dirty="0">
                 <a:latin typeface="Calisto MT" panose="02040603050505030304" pitchFamily="18" charset="0"/>
               </a:rPr>
-              <a:t>and Grid Layouts – for modern, flexible page structuring</a:t>
-            </a:r>
-            <a:r>
-              <a:rPr lang="en-IN" sz="1800" spc="10" dirty="0" smtClean="0">
-                <a:latin typeface="Calisto MT" panose="02040603050505030304" pitchFamily="18" charset="0"/>
-              </a:rPr>
-              <a:t>.</a:t>
+              <a:t>                                 DOM Manipulation with JavaScript – to make the site interactive.</a:t>
             </a:r>
             <a:br>
-              <a:rPr lang="en-IN" sz="1800" spc="10" dirty="0" smtClean="0">
+              <a:rPr lang="en-IN" sz="1800" spc="10" dirty="0">
                 <a:latin typeface="Calisto MT" panose="02040603050505030304" pitchFamily="18" charset="0"/>
               </a:rPr>
             </a:br>
             <a:r>
-              <a:rPr lang="en-IN" sz="1800" spc="10" dirty="0" smtClean="0">
-                <a:latin typeface="Calisto MT" panose="02040603050505030304" pitchFamily="18" charset="0"/>
-              </a:rPr>
-              <a:t>                                 DOM </a:t>
-            </a:r>
-            <a:r>
               <a:rPr lang="en-IN" sz="1800" spc="10" dirty="0">
                 <a:latin typeface="Calisto MT" panose="02040603050505030304" pitchFamily="18" charset="0"/>
               </a:rPr>
-              <a:t>Manipulation with JavaScript – to make the site interactive</a:t>
-            </a:r>
-            <a:r>
-              <a:rPr lang="en-IN" sz="1800" spc="10" dirty="0" smtClean="0">
-                <a:latin typeface="Calisto MT" panose="02040603050505030304" pitchFamily="18" charset="0"/>
-              </a:rPr>
-              <a:t>.</a:t>
+              <a:t>                                 Form Handling – for creating a functional contact section.</a:t>
             </a:r>
             <a:br>
-              <a:rPr lang="en-IN" sz="1800" spc="10" dirty="0" smtClean="0">
+              <a:rPr lang="en-IN" sz="1800" spc="10" dirty="0">
                 <a:latin typeface="Calisto MT" panose="02040603050505030304" pitchFamily="18" charset="0"/>
               </a:rPr>
             </a:br>
             <a:r>
-              <a:rPr lang="en-IN" sz="1800" spc="10" dirty="0" smtClean="0">
-                <a:latin typeface="Calisto MT" panose="02040603050505030304" pitchFamily="18" charset="0"/>
-              </a:rPr>
-              <a:t>                                 Form </a:t>
-            </a:r>
-            <a:r>
               <a:rPr lang="en-IN" sz="1800" spc="10" dirty="0">
                 <a:latin typeface="Calisto MT" panose="02040603050505030304" pitchFamily="18" charset="0"/>
               </a:rPr>
-              <a:t>Handling – for creating a functional contact section</a:t>
-            </a:r>
-            <a:r>
-              <a:rPr lang="en-IN" sz="1800" spc="10" dirty="0" smtClean="0">
-                <a:latin typeface="Calisto MT" panose="02040603050505030304" pitchFamily="18" charset="0"/>
-              </a:rPr>
-              <a:t>.</a:t>
-            </a:r>
-            <a:br>
-              <a:rPr lang="en-IN" sz="1800" spc="10" dirty="0" smtClean="0">
-                <a:latin typeface="Calisto MT" panose="02040603050505030304" pitchFamily="18" charset="0"/>
-              </a:rPr>
-            </a:br>
-            <a:r>
-              <a:rPr lang="en-IN" sz="1800" spc="10" dirty="0" smtClean="0">
-                <a:latin typeface="Calisto MT" panose="02040603050505030304" pitchFamily="18" charset="0"/>
-              </a:rPr>
-              <a:t>                                 Smooth </a:t>
-            </a:r>
-            <a:r>
-              <a:rPr lang="en-IN" sz="1800" spc="10" dirty="0">
-                <a:latin typeface="Calisto MT" panose="02040603050505030304" pitchFamily="18" charset="0"/>
-              </a:rPr>
-              <a:t>Navigation &amp; Animations – to improve user experience and engagement.</a:t>
+              <a:t>                                 Smooth Navigation &amp; Animations – to improve user experience and engagement.</a:t>
             </a:r>
             <a:br>
               <a:rPr lang="en-IN" sz="3600" spc="10" dirty="0"/>
-            </a:br>
-            <a:br>
-              <a:rPr lang="en-IN" sz="3600" spc="10" dirty="0" smtClean="0"/>
             </a:br>
             <a:br>
               <a:rPr lang="en-IN" sz="3600" spc="10" dirty="0"/>
             </a:br>
             <a:br>
-              <a:rPr lang="en-IN" sz="3600" spc="10" dirty="0" smtClean="0"/>
+              <a:rPr lang="en-IN" sz="3600" spc="10" dirty="0"/>
+            </a:br>
+            <a:br>
+              <a:rPr lang="en-IN" sz="3600" spc="10" dirty="0"/>
             </a:br>
             <a:endParaRPr sz="3600" dirty="0"/>
           </a:p>
@@ -6905,7 +6827,7 @@
           <p:nvPr/>
         </p:nvPicPr>
         <p:blipFill>
-          <a:blip r:embed="rId2" cstate="print"/>
+          <a:blip r:embed="rId3" cstate="print"/>
           <a:stretch>
             <a:fillRect/>
           </a:stretch>
@@ -6951,6 +6873,7 @@
             </a:pPr>
             <a:fld id="{81D60167-4931-47E6-BA6A-407CBD079E47}" type="slidenum">
               <a:rPr spc="10" dirty="0"/>
+              <a:t>7</a:t>
             </a:fld>
             <a:endParaRPr spc="10" dirty="0"/>
           </a:p>
@@ -7026,7 +6949,9 @@
         <p:txBody>
           <a:bodyPr wrap="square" lIns="0" tIns="0" rIns="0" bIns="0" rtlCol="0"/>
           <a:lstStyle/>
-          <a:p/>
+          <a:p>
+            <a:endParaRPr/>
+          </a:p>
         </p:txBody>
       </p:sp>
       <p:pic>
@@ -7036,7 +6961,7 @@
           <p:nvPr/>
         </p:nvPicPr>
         <p:blipFill>
-          <a:blip r:embed="rId1" cstate="print"/>
+          <a:blip r:embed="rId2" cstate="print"/>
           <a:stretch>
             <a:fillRect/>
           </a:stretch>
@@ -7088,6 +7013,7 @@
                 <a:latin typeface="Trebuchet MS" panose="020B0603020202020204"/>
                 <a:cs typeface="Trebuchet MS" panose="020B0603020202020204"/>
               </a:rPr>
+              <a:t>8</a:t>
             </a:fld>
             <a:endParaRPr sz="1100">
               <a:latin typeface="Trebuchet MS" panose="020B0603020202020204"/>
@@ -7130,19 +7056,8 @@
                 <a:latin typeface="Trebuchet MS" panose="020B0603020202020204"/>
                 <a:cs typeface="Trebuchet MS" panose="020B0603020202020204"/>
               </a:rPr>
-              <a:t>POTFOLIO DESIGN AND </a:t>
-            </a:r>
-            <a:r>
-              <a:rPr lang="en-IN" sz="4000" b="1" spc="15" dirty="0" smtClean="0">
-                <a:latin typeface="Trebuchet MS" panose="020B0603020202020204"/>
-                <a:cs typeface="Trebuchet MS" panose="020B0603020202020204"/>
-              </a:rPr>
-              <a:t>LAYOUT</a:t>
-            </a:r>
-            <a:endParaRPr lang="en-IN" sz="4000" b="1" spc="15" dirty="0" smtClean="0">
-              <a:latin typeface="Trebuchet MS" panose="020B0603020202020204"/>
-              <a:cs typeface="Trebuchet MS" panose="020B0603020202020204"/>
-            </a:endParaRPr>
+              <a:t>POTFOLIO DESIGN AND LAYOUT</a:t>
+            </a:r>
           </a:p>
           <a:p>
             <a:pPr marL="12700">
@@ -7154,16 +7069,12 @@
               </a:spcBef>
             </a:pPr>
             <a:r>
-              <a:rPr lang="en-US" sz="3200" b="1" spc="15" dirty="0" smtClean="0">
+              <a:rPr lang="en-US" sz="3200" b="1" spc="15" dirty="0">
                 <a:latin typeface="Trebuchet MS" panose="020B0603020202020204"/>
                 <a:cs typeface="Trebuchet MS" panose="020B0603020202020204"/>
               </a:rPr>
               <a:t>POTFOLIO:</a:t>
             </a:r>
-            <a:endParaRPr lang="en-US" sz="3200" b="1" spc="15" dirty="0">
-              <a:latin typeface="Trebuchet MS" panose="020B0603020202020204"/>
-              <a:cs typeface="Trebuchet MS" panose="020B0603020202020204"/>
-            </a:endParaRPr>
           </a:p>
           <a:p>
             <a:pPr marL="12700">
@@ -7193,19 +7104,8 @@
                 <a:latin typeface="Trebuchet MS" panose="020B0603020202020204"/>
                 <a:cs typeface="Trebuchet MS" panose="020B0603020202020204"/>
               </a:rPr>
-              <a:t> Bar – links to Home, About, Skills, Projects, Contact</a:t>
-            </a:r>
-            <a:r>
-              <a:rPr lang="en-US" sz="2000" dirty="0" smtClean="0">
-                <a:latin typeface="Trebuchet MS" panose="020B0603020202020204"/>
-                <a:cs typeface="Trebuchet MS" panose="020B0603020202020204"/>
-              </a:rPr>
-              <a:t>.</a:t>
-            </a:r>
-            <a:endParaRPr lang="en-US" sz="2000" dirty="0" smtClean="0">
-              <a:latin typeface="Trebuchet MS" panose="020B0603020202020204"/>
-              <a:cs typeface="Trebuchet MS" panose="020B0603020202020204"/>
-            </a:endParaRPr>
+              <a:t> Bar – links to Home, About, Skills, Projects, Contact.</a:t>
+            </a:r>
           </a:p>
           <a:p>
             <a:pPr marL="12700">
@@ -7217,30 +7117,12 @@
               </a:spcBef>
             </a:pPr>
             <a:r>
-              <a:rPr lang="en-US" sz="2000" dirty="0" smtClean="0">
-                <a:latin typeface="Trebuchet MS" panose="020B0603020202020204"/>
-                <a:cs typeface="Trebuchet MS" panose="020B0603020202020204"/>
-              </a:rPr>
-              <a:t>Home </a:t>
-            </a:r>
-            <a:r>
               <a:rPr lang="en-US" sz="2000" dirty="0">
                 <a:latin typeface="Trebuchet MS" panose="020B0603020202020204"/>
                 <a:cs typeface="Trebuchet MS" panose="020B0603020202020204"/>
               </a:rPr>
-              <a:t>– introduction with name, tagline, and banner</a:t>
-            </a:r>
-            <a:r>
-              <a:rPr lang="en-US" sz="2000" dirty="0" smtClean="0">
-                <a:latin typeface="Trebuchet MS" panose="020B0603020202020204"/>
-                <a:cs typeface="Trebuchet MS" panose="020B0603020202020204"/>
-              </a:rPr>
-              <a:t>.</a:t>
-            </a:r>
-            <a:endParaRPr lang="en-US" sz="2000" dirty="0" smtClean="0">
-              <a:latin typeface="Trebuchet MS" panose="020B0603020202020204"/>
-              <a:cs typeface="Trebuchet MS" panose="020B0603020202020204"/>
-            </a:endParaRPr>
+              <a:t>Home – introduction with name, tagline, and banner.</a:t>
+            </a:r>
           </a:p>
           <a:p>
             <a:pPr marL="12700">
@@ -7252,18 +7134,11 @@
               </a:spcBef>
             </a:pPr>
             <a:r>
-              <a:rPr lang="en-US" sz="2000" dirty="0" smtClean="0">
-                <a:latin typeface="Trebuchet MS" panose="020B0603020202020204"/>
-                <a:cs typeface="Trebuchet MS" panose="020B0603020202020204"/>
-              </a:rPr>
-              <a:t>About </a:t>
-            </a:r>
-            <a:r>
               <a:rPr lang="en-US" sz="2000" dirty="0">
                 <a:latin typeface="Trebuchet MS" panose="020B0603020202020204"/>
                 <a:cs typeface="Trebuchet MS" panose="020B0603020202020204"/>
               </a:rPr>
-              <a:t>– personal details, education, and profile </a:t>
+              <a:t>About – personal details, education, and profile </a:t>
             </a:r>
             <a:r>
               <a:rPr lang="en-US" sz="2000" dirty="0" err="1">
@@ -7277,19 +7152,8 @@
                 <a:latin typeface="Trebuchet MS" panose="020B0603020202020204"/>
                 <a:cs typeface="Trebuchet MS" panose="020B0603020202020204"/>
               </a:rPr>
-              <a:t> – technical skills shown using progress bars or cards</a:t>
-            </a:r>
-            <a:r>
-              <a:rPr lang="en-US" sz="2000" dirty="0" smtClean="0">
-                <a:latin typeface="Trebuchet MS" panose="020B0603020202020204"/>
-                <a:cs typeface="Trebuchet MS" panose="020B0603020202020204"/>
-              </a:rPr>
-              <a:t>.</a:t>
-            </a:r>
-            <a:endParaRPr lang="en-US" sz="2000" dirty="0" smtClean="0">
-              <a:latin typeface="Trebuchet MS" panose="020B0603020202020204"/>
-              <a:cs typeface="Trebuchet MS" panose="020B0603020202020204"/>
-            </a:endParaRPr>
+              <a:t> – technical skills shown using progress bars or cards.</a:t>
+            </a:r>
           </a:p>
           <a:p>
             <a:pPr marL="12700">
@@ -7301,30 +7165,12 @@
               </a:spcBef>
             </a:pPr>
             <a:r>
-              <a:rPr lang="en-US" sz="2000" dirty="0" smtClean="0">
-                <a:latin typeface="Trebuchet MS" panose="020B0603020202020204"/>
-                <a:cs typeface="Trebuchet MS" panose="020B0603020202020204"/>
-              </a:rPr>
-              <a:t>Projects </a:t>
-            </a:r>
-            <a:r>
               <a:rPr lang="en-US" sz="2000" dirty="0">
                 <a:latin typeface="Trebuchet MS" panose="020B0603020202020204"/>
                 <a:cs typeface="Trebuchet MS" panose="020B0603020202020204"/>
               </a:rPr>
-              <a:t>– sample projects in a grid layout with descriptions</a:t>
-            </a:r>
-            <a:r>
-              <a:rPr lang="en-US" sz="2000" dirty="0" smtClean="0">
-                <a:latin typeface="Trebuchet MS" panose="020B0603020202020204"/>
-                <a:cs typeface="Trebuchet MS" panose="020B0603020202020204"/>
-              </a:rPr>
-              <a:t>.</a:t>
-            </a:r>
-            <a:endParaRPr lang="en-US" sz="2000" dirty="0" smtClean="0">
-              <a:latin typeface="Trebuchet MS" panose="020B0603020202020204"/>
-              <a:cs typeface="Trebuchet MS" panose="020B0603020202020204"/>
-            </a:endParaRPr>
+              <a:t>Projects – sample projects in a grid layout with descriptions.</a:t>
+            </a:r>
           </a:p>
           <a:p>
             <a:pPr marL="12700">
@@ -7336,30 +7182,12 @@
               </a:spcBef>
             </a:pPr>
             <a:r>
-              <a:rPr lang="en-US" sz="2000" dirty="0" smtClean="0">
-                <a:latin typeface="Trebuchet MS" panose="020B0603020202020204"/>
-                <a:cs typeface="Trebuchet MS" panose="020B0603020202020204"/>
-              </a:rPr>
-              <a:t>Contact </a:t>
-            </a:r>
-            <a:r>
               <a:rPr lang="en-US" sz="2000" dirty="0">
                 <a:latin typeface="Trebuchet MS" panose="020B0603020202020204"/>
                 <a:cs typeface="Trebuchet MS" panose="020B0603020202020204"/>
               </a:rPr>
-              <a:t>– form and social media links</a:t>
-            </a:r>
-            <a:r>
-              <a:rPr lang="en-US" sz="2000" dirty="0" smtClean="0">
-                <a:latin typeface="Trebuchet MS" panose="020B0603020202020204"/>
-                <a:cs typeface="Trebuchet MS" panose="020B0603020202020204"/>
-              </a:rPr>
-              <a:t>.</a:t>
-            </a:r>
-            <a:endParaRPr lang="en-US" sz="2000" dirty="0" smtClean="0">
-              <a:latin typeface="Trebuchet MS" panose="020B0603020202020204"/>
-              <a:cs typeface="Trebuchet MS" panose="020B0603020202020204"/>
-            </a:endParaRPr>
+              <a:t>Contact – form and social media links.</a:t>
+            </a:r>
           </a:p>
           <a:p>
             <a:pPr marL="12700">
@@ -7371,30 +7199,12 @@
               </a:spcBef>
             </a:pPr>
             <a:r>
-              <a:rPr lang="en-US" sz="2000" dirty="0" smtClean="0">
-                <a:latin typeface="Trebuchet MS" panose="020B0603020202020204"/>
-                <a:cs typeface="Trebuchet MS" panose="020B0603020202020204"/>
-              </a:rPr>
-              <a:t>Footer </a:t>
-            </a:r>
-            <a:r>
               <a:rPr lang="en-US" sz="2000" dirty="0">
                 <a:latin typeface="Trebuchet MS" panose="020B0603020202020204"/>
                 <a:cs typeface="Trebuchet MS" panose="020B0603020202020204"/>
               </a:rPr>
-              <a:t>– copyright and quick links</a:t>
-            </a:r>
-            <a:r>
-              <a:rPr lang="en-US" sz="2000" dirty="0" smtClean="0">
-                <a:latin typeface="Trebuchet MS" panose="020B0603020202020204"/>
-                <a:cs typeface="Trebuchet MS" panose="020B0603020202020204"/>
-              </a:rPr>
-              <a:t>.</a:t>
-            </a:r>
-            <a:endParaRPr lang="en-US" sz="2000" dirty="0" smtClean="0">
-              <a:latin typeface="Trebuchet MS" panose="020B0603020202020204"/>
-              <a:cs typeface="Trebuchet MS" panose="020B0603020202020204"/>
-            </a:endParaRPr>
+              <a:t>Footer – copyright and quick links.</a:t>
+            </a:r>
           </a:p>
           <a:p>
             <a:pPr marL="12700">
@@ -7420,23 +7230,19 @@
               </a:spcBef>
             </a:pPr>
             <a:r>
-              <a:rPr lang="en-US" sz="3200" dirty="0" smtClean="0">
+              <a:rPr lang="en-US" sz="3200" dirty="0">
                 <a:latin typeface="Trebuchet MS" panose="020B0603020202020204"/>
                 <a:cs typeface="Trebuchet MS" panose="020B0603020202020204"/>
               </a:rPr>
               <a:t>LAYOUT STYLE</a:t>
             </a:r>
             <a:r>
-              <a:rPr lang="en-US" sz="2000" dirty="0" smtClean="0">
+              <a:rPr lang="en-US" sz="2000" dirty="0">
                 <a:latin typeface="Trebuchet MS" panose="020B0603020202020204"/>
                 <a:cs typeface="Trebuchet MS" panose="020B0603020202020204"/>
               </a:rPr>
               <a:t>:</a:t>
             </a:r>
-            <a:endParaRPr lang="en-US" sz="2000" dirty="0" smtClean="0">
-              <a:latin typeface="Trebuchet MS" panose="020B0603020202020204"/>
-              <a:cs typeface="Trebuchet MS" panose="020B0603020202020204"/>
-            </a:endParaRPr>
           </a:p>
           <a:p>
             <a:pPr marL="12700">
@@ -7448,18 +7254,11 @@
               </a:spcBef>
             </a:pPr>
             <a:r>
-              <a:rPr lang="en-US" sz="2000" dirty="0" smtClean="0">
-                <a:latin typeface="Trebuchet MS" panose="020B0603020202020204"/>
-                <a:cs typeface="Trebuchet MS" panose="020B0603020202020204"/>
-              </a:rPr>
-              <a:t>Grid </a:t>
-            </a:r>
-            <a:r>
               <a:rPr lang="en-US" sz="2000" dirty="0">
                 <a:latin typeface="Trebuchet MS" panose="020B0603020202020204"/>
                 <a:cs typeface="Trebuchet MS" panose="020B0603020202020204"/>
               </a:rPr>
-              <a:t>and </a:t>
+              <a:t>Grid and </a:t>
             </a:r>
             <a:r>
               <a:rPr lang="en-US" sz="2000" dirty="0" err="1">
@@ -7473,19 +7272,8 @@
                 <a:latin typeface="Trebuchet MS" panose="020B0603020202020204"/>
                 <a:cs typeface="Trebuchet MS" panose="020B0603020202020204"/>
               </a:rPr>
-              <a:t> for responsive structuring</a:t>
-            </a:r>
-            <a:r>
-              <a:rPr lang="en-US" sz="2000" dirty="0" smtClean="0">
-                <a:latin typeface="Trebuchet MS" panose="020B0603020202020204"/>
-                <a:cs typeface="Trebuchet MS" panose="020B0603020202020204"/>
-              </a:rPr>
-              <a:t>.</a:t>
-            </a:r>
-            <a:endParaRPr lang="en-US" sz="2000" dirty="0" smtClean="0">
-              <a:latin typeface="Trebuchet MS" panose="020B0603020202020204"/>
-              <a:cs typeface="Trebuchet MS" panose="020B0603020202020204"/>
-            </a:endParaRPr>
+              <a:t> for responsive structuring.</a:t>
+            </a:r>
           </a:p>
           <a:p>
             <a:pPr marL="12700">
@@ -7497,30 +7285,12 @@
               </a:spcBef>
             </a:pPr>
             <a:r>
-              <a:rPr lang="en-US" sz="2000" dirty="0" smtClean="0">
-                <a:latin typeface="Trebuchet MS" panose="020B0603020202020204"/>
-                <a:cs typeface="Trebuchet MS" panose="020B0603020202020204"/>
-              </a:rPr>
-              <a:t>Consistent </a:t>
-            </a:r>
-            <a:r>
               <a:rPr lang="en-US" sz="2000" dirty="0">
                 <a:latin typeface="Trebuchet MS" panose="020B0603020202020204"/>
                 <a:cs typeface="Trebuchet MS" panose="020B0603020202020204"/>
               </a:rPr>
-              <a:t>color scheme (2–3 main colors for branding</a:t>
-            </a:r>
-            <a:r>
-              <a:rPr lang="en-US" sz="2000" dirty="0" smtClean="0">
-                <a:latin typeface="Trebuchet MS" panose="020B0603020202020204"/>
-                <a:cs typeface="Trebuchet MS" panose="020B0603020202020204"/>
-              </a:rPr>
-              <a:t>).</a:t>
-            </a:r>
-            <a:endParaRPr lang="en-US" sz="2000" dirty="0" smtClean="0">
-              <a:latin typeface="Trebuchet MS" panose="020B0603020202020204"/>
-              <a:cs typeface="Trebuchet MS" panose="020B0603020202020204"/>
-            </a:endParaRPr>
+              <a:t>Consistent color scheme (2–3 main colors for branding).</a:t>
+            </a:r>
           </a:p>
           <a:p>
             <a:pPr marL="12700">
@@ -7532,30 +7302,12 @@
               </a:spcBef>
             </a:pPr>
             <a:r>
-              <a:rPr lang="en-US" sz="2000" dirty="0" smtClean="0">
-                <a:latin typeface="Trebuchet MS" panose="020B0603020202020204"/>
-                <a:cs typeface="Trebuchet MS" panose="020B0603020202020204"/>
-              </a:rPr>
-              <a:t>Readable </a:t>
-            </a:r>
-            <a:r>
               <a:rPr lang="en-US" sz="2000" dirty="0">
                 <a:latin typeface="Trebuchet MS" panose="020B0603020202020204"/>
                 <a:cs typeface="Trebuchet MS" panose="020B0603020202020204"/>
               </a:rPr>
-              <a:t>typography with hierarchy (headings, subheadings, body text</a:t>
-            </a:r>
-            <a:r>
-              <a:rPr lang="en-US" sz="2000" dirty="0" smtClean="0">
-                <a:latin typeface="Trebuchet MS" panose="020B0603020202020204"/>
-                <a:cs typeface="Trebuchet MS" panose="020B0603020202020204"/>
-              </a:rPr>
-              <a:t>).</a:t>
-            </a:r>
-            <a:endParaRPr lang="en-US" sz="2000" dirty="0" smtClean="0">
-              <a:latin typeface="Trebuchet MS" panose="020B0603020202020204"/>
-              <a:cs typeface="Trebuchet MS" panose="020B0603020202020204"/>
-            </a:endParaRPr>
+              <a:t>Readable typography with hierarchy (headings, subheadings, body text).</a:t>
+            </a:r>
           </a:p>
           <a:p>
             <a:pPr marL="12700">
@@ -7567,23 +7319,12 @@
               </a:spcBef>
             </a:pPr>
             <a:r>
-              <a:rPr lang="en-US" sz="2000" dirty="0" smtClean="0">
-                <a:latin typeface="Trebuchet MS" panose="020B0603020202020204"/>
-                <a:cs typeface="Trebuchet MS" panose="020B0603020202020204"/>
-              </a:rPr>
-              <a:t>Interactive </a:t>
-            </a:r>
-            <a:r>
               <a:rPr lang="en-US" sz="2000" dirty="0">
                 <a:latin typeface="Trebuchet MS" panose="020B0603020202020204"/>
                 <a:cs typeface="Trebuchet MS" panose="020B0603020202020204"/>
               </a:rPr>
-              <a:t>elements (hover effects, smooth scrolling, animations).</a:t>
-            </a:r>
-            <a:endParaRPr lang="en-US" sz="2000" dirty="0" smtClean="0">
-              <a:latin typeface="Trebuchet MS" panose="020B0603020202020204"/>
-              <a:cs typeface="Trebuchet MS" panose="020B0603020202020204"/>
-            </a:endParaRPr>
+              <a:t>Interactive elements (hover effects, smooth scrolling, animations).</a:t>
+            </a:r>
           </a:p>
           <a:p>
             <a:pPr marL="12700">
@@ -7608,7 +7349,7 @@
                 <a:spcPts val="105"/>
               </a:spcBef>
             </a:pPr>
-            <a:endParaRPr lang="en-US" sz="2000" dirty="0" smtClean="0">
+            <a:endParaRPr lang="en-US" sz="2000" dirty="0">
               <a:latin typeface="Trebuchet MS" panose="020B0603020202020204"/>
               <a:cs typeface="Trebuchet MS" panose="020B0603020202020204"/>
             </a:endParaRPr>
@@ -7674,7 +7415,9 @@
         <p:txBody>
           <a:bodyPr wrap="square" lIns="0" tIns="0" rIns="0" bIns="0" rtlCol="0"/>
           <a:lstStyle/>
-          <a:p/>
+          <a:p>
+            <a:endParaRPr/>
+          </a:p>
         </p:txBody>
       </p:sp>
     </p:spTree>
@@ -7724,111 +7467,59 @@
           <a:p>
             <a:r>
               <a:rPr lang="en-IN" dirty="0"/>
-              <a:t>FEATURES AND </a:t>
-            </a:r>
-            <a:r>
-              <a:rPr lang="en-IN" dirty="0" smtClean="0"/>
-              <a:t>FUNCTIONALITY</a:t>
+              <a:t>FEATURES AND FUNCTIONALITY</a:t>
             </a:r>
             <a:br>
-              <a:rPr lang="en-IN" dirty="0" smtClean="0"/>
+              <a:rPr lang="en-IN" dirty="0"/>
             </a:br>
             <a:br>
               <a:rPr lang="en-IN" dirty="0"/>
             </a:br>
             <a:r>
               <a:rPr lang="en-IN" sz="2400" dirty="0"/>
-              <a:t>Responsive Design – Works smoothly on desktop, tablet, and mobile</a:t>
-            </a:r>
-            <a:r>
-              <a:rPr lang="en-IN" sz="2400" dirty="0" smtClean="0"/>
-              <a:t>.</a:t>
+              <a:t>Responsive Design – Works smoothly on desktop, tablet, and mobile.</a:t>
             </a:r>
             <a:br>
-              <a:rPr lang="en-IN" sz="2400" dirty="0" smtClean="0"/>
+              <a:rPr lang="en-IN" sz="2400" dirty="0"/>
             </a:br>
             <a:r>
-              <a:rPr lang="en-IN" sz="2400" dirty="0" smtClean="0"/>
-              <a:t>Navigation </a:t>
-            </a:r>
-            <a:r>
               <a:rPr lang="en-IN" sz="2400" dirty="0"/>
-              <a:t>Bar – Easy movement between Home, About, Skills, Projects, and Contact</a:t>
-            </a:r>
-            <a:r>
-              <a:rPr lang="en-IN" sz="2400" dirty="0" smtClean="0"/>
-              <a:t>.</a:t>
+              <a:t>Navigation Bar – Easy movement between Home, About, Skills, Projects, and Contact.</a:t>
             </a:r>
             <a:br>
-              <a:rPr lang="en-IN" sz="2400" dirty="0" smtClean="0"/>
+              <a:rPr lang="en-IN" sz="2400" dirty="0"/>
             </a:br>
             <a:r>
-              <a:rPr lang="en-IN" sz="2400" dirty="0" smtClean="0"/>
-              <a:t>Interactive </a:t>
-            </a:r>
-            <a:r>
               <a:rPr lang="en-IN" sz="2400" dirty="0"/>
-              <a:t>UI – Hover effects, smooth scrolling, and animations</a:t>
-            </a:r>
-            <a:r>
-              <a:rPr lang="en-IN" sz="2400" dirty="0" smtClean="0"/>
-              <a:t>.</a:t>
+              <a:t>Interactive UI – Hover effects, smooth scrolling, and animations.</a:t>
             </a:r>
             <a:br>
-              <a:rPr lang="en-IN" sz="2400" dirty="0" smtClean="0"/>
+              <a:rPr lang="en-IN" sz="2400" dirty="0"/>
             </a:br>
             <a:r>
-              <a:rPr lang="en-IN" sz="2400" dirty="0" smtClean="0"/>
-              <a:t>Skills </a:t>
-            </a:r>
-            <a:r>
               <a:rPr lang="en-IN" sz="2400" dirty="0"/>
-              <a:t>Section – Visual display of coding and technical skills</a:t>
-            </a:r>
-            <a:r>
-              <a:rPr lang="en-IN" sz="2400" dirty="0" smtClean="0"/>
-              <a:t>.</a:t>
+              <a:t>Skills Section – Visual display of coding and technical skills.</a:t>
             </a:r>
             <a:br>
-              <a:rPr lang="en-IN" sz="2400" dirty="0" smtClean="0"/>
+              <a:rPr lang="en-IN" sz="2400" dirty="0"/>
             </a:br>
             <a:r>
-              <a:rPr lang="en-IN" sz="2400" dirty="0" smtClean="0"/>
-              <a:t>Projects </a:t>
-            </a:r>
-            <a:r>
               <a:rPr lang="en-IN" sz="2400" dirty="0"/>
-              <a:t>Showcase – Grid layout with descriptions and links</a:t>
-            </a:r>
-            <a:r>
-              <a:rPr lang="en-IN" sz="2400" dirty="0" smtClean="0"/>
-              <a:t>.</a:t>
+              <a:t>Projects Showcase – Grid layout with descriptions and links.</a:t>
             </a:r>
             <a:br>
-              <a:rPr lang="en-IN" sz="2400" dirty="0" smtClean="0"/>
+              <a:rPr lang="en-IN" sz="2400" dirty="0"/>
             </a:br>
             <a:r>
-              <a:rPr lang="en-IN" sz="2400" dirty="0" smtClean="0"/>
-              <a:t>Contact </a:t>
-            </a:r>
-            <a:r>
               <a:rPr lang="en-IN" sz="2400" dirty="0"/>
-              <a:t>Form – Allows users to send queries directly</a:t>
-            </a:r>
-            <a:r>
-              <a:rPr lang="en-IN" sz="2400" dirty="0" smtClean="0"/>
-              <a:t>.</a:t>
+              <a:t>Contact Form – Allows users to send queries directly.</a:t>
             </a:r>
             <a:br>
-              <a:rPr lang="en-IN" sz="2400" dirty="0" smtClean="0"/>
+              <a:rPr lang="en-IN" sz="2400" dirty="0"/>
             </a:br>
             <a:r>
-              <a:rPr lang="en-IN" sz="2400" dirty="0" smtClean="0"/>
-              <a:t>Social </a:t>
-            </a:r>
-            <a:r>
               <a:rPr lang="en-IN" sz="2400" dirty="0"/>
-              <a:t>Media Integration – Links to </a:t>
+              <a:t>Social Media Integration – Links to </a:t>
             </a:r>
             <a:r>
               <a:rPr lang="en-IN" sz="2400" dirty="0" err="1"/>
@@ -7836,22 +7527,14 @@
             </a:r>
             <a:r>
               <a:rPr lang="en-IN" sz="2400" dirty="0"/>
-              <a:t>, LinkedIn, etc</a:t>
-            </a:r>
-            <a:r>
-              <a:rPr lang="en-IN" sz="2400" dirty="0" smtClean="0"/>
-              <a:t>.</a:t>
+              <a:t>, LinkedIn, etc.</a:t>
             </a:r>
             <a:br>
-              <a:rPr lang="en-IN" sz="2400" dirty="0" smtClean="0"/>
+              <a:rPr lang="en-IN" sz="2400" dirty="0"/>
             </a:br>
             <a:r>
-              <a:rPr lang="en-IN" sz="2400" dirty="0" smtClean="0"/>
-              <a:t>Clean </a:t>
-            </a:r>
-            <a:r>
               <a:rPr lang="en-IN" sz="2400" dirty="0"/>
-              <a:t>Layout – Simple, modern, and user-friendly design.</a:t>
+              <a:t>Clean Layout – Simple, modern, and user-friendly design.</a:t>
             </a:r>
             <a:br>
               <a:rPr lang="en-IN" dirty="0"/>
@@ -7860,13 +7543,13 @@
               <a:rPr lang="en-IN" dirty="0"/>
             </a:br>
             <a:br>
-              <a:rPr lang="en-IN" dirty="0" smtClean="0"/>
+              <a:rPr lang="en-IN" dirty="0"/>
             </a:br>
             <a:br>
               <a:rPr lang="en-IN" dirty="0"/>
             </a:br>
             <a:br>
-              <a:rPr lang="en-IN" dirty="0" smtClean="0"/>
+              <a:rPr lang="en-IN" dirty="0"/>
             </a:br>
             <a:endParaRPr lang="en-IN" dirty="0"/>
           </a:p>
@@ -8158,6 +7841,8 @@
       </a:bgFillStyleLst>
     </a:fmtScheme>
   </a:themeElements>
+  <a:objectDefaults/>
+  <a:extraClrSchemeLst/>
   <a:extLst>
     <a:ext uri="{05A4C25C-085E-4340-85A3-A5531E510DB2}">
       <thm15:themeFamily xmlns:thm15="http://schemas.microsoft.com/office/thememl/2012/main" name="Office Theme" id="{62F939B6-93AF-4DB8-9C6B-D6C7DFDC589F}" vid="{4A3C46E8-61CC-4603-A589-7422A47A8E4A}"/>
@@ -8417,6 +8102,8 @@
       </a:bgFillStyleLst>
     </a:fmtScheme>
   </a:themeElements>
+  <a:objectDefaults/>
+  <a:extraClrSchemeLst/>
   <a:extLst>
     <a:ext uri="{05A4C25C-085E-4340-85A3-A5531E510DB2}">
       <thm15:themeFamily xmlns:thm15="http://schemas.microsoft.com/office/thememl/2012/main" name="Office Theme" id="{62F939B6-93AF-4DB8-9C6B-D6C7DFDC589F}" vid="{4A3C46E8-61CC-4603-A589-7422A47A8E4A}"/>
